--- a/PPT/機器人動起來 day4.pptx
+++ b/PPT/機器人動起來 day4.pptx
@@ -5,7 +5,7 @@
     <p:sldMasterId id="2147483678" r:id="rId1"/>
   </p:sldMasterIdLst>
   <p:notesMasterIdLst>
-    <p:notesMasterId r:id="rId38"/>
+    <p:notesMasterId r:id="rId44"/>
   </p:notesMasterIdLst>
   <p:sldIdLst>
     <p:sldId id="256" r:id="rId2"/>
@@ -25,25 +25,31 @@
     <p:sldId id="278" r:id="rId16"/>
     <p:sldId id="279" r:id="rId17"/>
     <p:sldId id="280" r:id="rId18"/>
-    <p:sldId id="345" r:id="rId19"/>
-    <p:sldId id="348" r:id="rId20"/>
-    <p:sldId id="347" r:id="rId21"/>
-    <p:sldId id="379" r:id="rId22"/>
-    <p:sldId id="346" r:id="rId23"/>
-    <p:sldId id="349" r:id="rId24"/>
-    <p:sldId id="350" r:id="rId25"/>
-    <p:sldId id="355" r:id="rId26"/>
-    <p:sldId id="380" r:id="rId27"/>
-    <p:sldId id="365" r:id="rId28"/>
-    <p:sldId id="358" r:id="rId29"/>
-    <p:sldId id="357" r:id="rId30"/>
-    <p:sldId id="359" r:id="rId31"/>
-    <p:sldId id="360" r:id="rId32"/>
-    <p:sldId id="361" r:id="rId33"/>
-    <p:sldId id="362" r:id="rId34"/>
-    <p:sldId id="364" r:id="rId35"/>
-    <p:sldId id="382" r:id="rId36"/>
-    <p:sldId id="383" r:id="rId37"/>
+    <p:sldId id="281" r:id="rId19"/>
+    <p:sldId id="344" r:id="rId20"/>
+    <p:sldId id="345" r:id="rId21"/>
+    <p:sldId id="348" r:id="rId22"/>
+    <p:sldId id="347" r:id="rId23"/>
+    <p:sldId id="379" r:id="rId24"/>
+    <p:sldId id="346" r:id="rId25"/>
+    <p:sldId id="349" r:id="rId26"/>
+    <p:sldId id="352" r:id="rId27"/>
+    <p:sldId id="368" r:id="rId28"/>
+    <p:sldId id="350" r:id="rId29"/>
+    <p:sldId id="353" r:id="rId30"/>
+    <p:sldId id="356" r:id="rId31"/>
+    <p:sldId id="355" r:id="rId32"/>
+    <p:sldId id="380" r:id="rId33"/>
+    <p:sldId id="365" r:id="rId34"/>
+    <p:sldId id="358" r:id="rId35"/>
+    <p:sldId id="357" r:id="rId36"/>
+    <p:sldId id="359" r:id="rId37"/>
+    <p:sldId id="360" r:id="rId38"/>
+    <p:sldId id="361" r:id="rId39"/>
+    <p:sldId id="362" r:id="rId40"/>
+    <p:sldId id="364" r:id="rId41"/>
+    <p:sldId id="382" r:id="rId42"/>
+    <p:sldId id="383" r:id="rId43"/>
   </p:sldIdLst>
   <p:sldSz cx="12192000" cy="6858000"/>
   <p:notesSz cx="6858000" cy="9144000"/>
@@ -232,7 +238,7 @@
           <a:p>
             <a:fld id="{F193C4BA-8DD1-4203-89FE-CCF2348BDE75}" type="datetimeFigureOut">
               <a:rPr lang="zh-TW" altLang="en-US" smtClean="0"/>
-              <a:t>2023/1/29</a:t>
+              <a:t>2023/2/1</a:t>
             </a:fld>
             <a:endParaRPr lang="zh-TW" altLang="en-US"/>
           </a:p>
@@ -543,16 +549,7 @@
           <a:bodyPr/>
           <a:lstStyle/>
           <a:p>
-            <a:r>
-              <a:rPr lang="en-US" altLang="zh-TW" dirty="0"/>
-              <a:t>0~255(FF)(1byte)</a:t>
-            </a:r>
-          </a:p>
-          <a:p>
-            <a:r>
-              <a:rPr lang="zh-TW" altLang="en-US" dirty="0"/>
-              <a:t>左右顏色對調</a:t>
-            </a:r>
+            <a:endParaRPr lang="zh-TW" altLang="en-US" dirty="0"/>
           </a:p>
         </p:txBody>
       </p:sp>
@@ -636,17 +633,6 @@
           <a:bodyPr/>
           <a:lstStyle/>
           <a:p>
-            <a:r>
-              <a:rPr lang="zh-TW" altLang="en-US" dirty="0"/>
-              <a:t>倒車雷達</a:t>
-            </a:r>
-            <a:endParaRPr lang="en-US" altLang="zh-TW" dirty="0"/>
-          </a:p>
-          <a:p>
-            <a:r>
-              <a:rPr lang="en-US" altLang="zh-TW" dirty="0"/>
-              <a:t>10min</a:t>
-            </a:r>
             <a:endParaRPr lang="zh-TW" altLang="en-US" dirty="0"/>
           </a:p>
         </p:txBody>
@@ -752,7 +738,7 @@
           <a:p>
             <a:fld id="{3ABC29A3-9B47-4A73-BDC2-B335115DFECA}" type="slidenum">
               <a:rPr lang="zh-TW" altLang="en-US" smtClean="0"/>
-              <a:t>20</a:t>
+              <a:t>22</a:t>
             </a:fld>
             <a:endParaRPr lang="zh-TW" altLang="en-US"/>
           </a:p>
@@ -815,10 +801,7 @@
           <a:bodyPr/>
           <a:lstStyle/>
           <a:p>
-            <a:r>
-              <a:rPr lang="zh-TW" altLang="en-US" dirty="0"/>
-              <a:t>一發一收，光波</a:t>
-            </a:r>
+            <a:endParaRPr lang="zh-TW" altLang="en-US" dirty="0"/>
           </a:p>
         </p:txBody>
       </p:sp>
@@ -839,7 +822,7 @@
           <a:p>
             <a:fld id="{3ABC29A3-9B47-4A73-BDC2-B335115DFECA}" type="slidenum">
               <a:rPr lang="zh-TW" altLang="en-US" smtClean="0"/>
-              <a:t>21</a:t>
+              <a:t>23</a:t>
             </a:fld>
             <a:endParaRPr lang="zh-TW" altLang="en-US"/>
           </a:p>
@@ -902,10 +885,6 @@
           <a:bodyPr/>
           <a:lstStyle/>
           <a:p>
-            <a:r>
-              <a:rPr lang="en-US" altLang="zh-TW" dirty="0"/>
-              <a:t>10min</a:t>
-            </a:r>
             <a:endParaRPr lang="zh-TW" altLang="en-US" dirty="0"/>
           </a:p>
         </p:txBody>
@@ -927,7 +906,7 @@
           <a:p>
             <a:fld id="{3ABC29A3-9B47-4A73-BDC2-B335115DFECA}" type="slidenum">
               <a:rPr lang="zh-TW" altLang="en-US" smtClean="0"/>
-              <a:t>23</a:t>
+              <a:t>25</a:t>
             </a:fld>
             <a:endParaRPr lang="zh-TW" altLang="en-US"/>
           </a:p>
@@ -990,10 +969,6 @@
           <a:bodyPr/>
           <a:lstStyle/>
           <a:p>
-            <a:r>
-              <a:rPr lang="en-US" altLang="zh-TW" dirty="0"/>
-              <a:t>10min</a:t>
-            </a:r>
             <a:endParaRPr lang="zh-TW" altLang="en-US" dirty="0"/>
           </a:p>
         </p:txBody>
@@ -1015,7 +990,7 @@
           <a:p>
             <a:fld id="{3ABC29A3-9B47-4A73-BDC2-B335115DFECA}" type="slidenum">
               <a:rPr lang="zh-TW" altLang="en-US" smtClean="0"/>
-              <a:t>24</a:t>
+              <a:t>28</a:t>
             </a:fld>
             <a:endParaRPr lang="zh-TW" altLang="en-US"/>
           </a:p>
@@ -1078,22 +1053,6 @@
           <a:bodyPr/>
           <a:lstStyle/>
           <a:p>
-            <a:r>
-              <a:rPr lang="zh-TW" altLang="en-US" dirty="0"/>
-              <a:t>相撲比賽</a:t>
-            </a:r>
-            <a:r>
-              <a:rPr lang="en-US" altLang="zh-TW" dirty="0"/>
-              <a:t>(</a:t>
-            </a:r>
-            <a:r>
-              <a:rPr lang="zh-TW" altLang="en-US" dirty="0"/>
-              <a:t>改動劇本</a:t>
-            </a:r>
-            <a:r>
-              <a:rPr lang="en-US" altLang="zh-TW" dirty="0"/>
-              <a:t>)</a:t>
-            </a:r>
             <a:endParaRPr lang="zh-TW" altLang="en-US" dirty="0"/>
           </a:p>
         </p:txBody>
@@ -1115,7 +1074,7 @@
           <a:p>
             <a:fld id="{3ABC29A3-9B47-4A73-BDC2-B335115DFECA}" type="slidenum">
               <a:rPr lang="zh-TW" altLang="en-US" smtClean="0"/>
-              <a:t>26</a:t>
+              <a:t>32</a:t>
             </a:fld>
             <a:endParaRPr lang="zh-TW" altLang="en-US"/>
           </a:p>
@@ -1178,10 +1137,6 @@
           <a:bodyPr/>
           <a:lstStyle/>
           <a:p>
-            <a:r>
-              <a:rPr lang="zh-TW" altLang="en-US" dirty="0"/>
-              <a:t>障礙物是什麼請自行想像</a:t>
-            </a:r>
             <a:endParaRPr lang="en-US" altLang="zh-TW" dirty="0"/>
           </a:p>
         </p:txBody>
@@ -1203,7 +1158,7 @@
           <a:p>
             <a:fld id="{3ABC29A3-9B47-4A73-BDC2-B335115DFECA}" type="slidenum">
               <a:rPr lang="zh-TW" altLang="en-US" smtClean="0"/>
-              <a:t>27</a:t>
+              <a:t>33</a:t>
             </a:fld>
             <a:endParaRPr lang="zh-TW" altLang="en-US"/>
           </a:p>
@@ -1287,7 +1242,7 @@
           <a:p>
             <a:fld id="{3ABC29A3-9B47-4A73-BDC2-B335115DFECA}" type="slidenum">
               <a:rPr lang="zh-TW" altLang="en-US" smtClean="0"/>
-              <a:t>33</a:t>
+              <a:t>39</a:t>
             </a:fld>
             <a:endParaRPr lang="zh-TW" altLang="en-US"/>
           </a:p>
@@ -1350,10 +1305,7 @@
           <a:bodyPr/>
           <a:lstStyle/>
           <a:p>
-            <a:r>
-              <a:rPr lang="zh-TW" altLang="en-US" dirty="0"/>
-              <a:t>六隊顏色設定</a:t>
-            </a:r>
+            <a:endParaRPr lang="zh-TW" altLang="en-US" dirty="0"/>
           </a:p>
         </p:txBody>
       </p:sp>
@@ -1374,7 +1326,7 @@
           <a:p>
             <a:fld id="{3ABC29A3-9B47-4A73-BDC2-B335115DFECA}" type="slidenum">
               <a:rPr lang="zh-TW" altLang="en-US" smtClean="0"/>
-              <a:t>35</a:t>
+              <a:t>41</a:t>
             </a:fld>
             <a:endParaRPr lang="zh-TW" altLang="en-US"/>
           </a:p>
@@ -1384,6 +1336,90 @@
     <p:extLst>
       <p:ext uri="{BB962C8B-B14F-4D97-AF65-F5344CB8AC3E}">
         <p14:creationId xmlns:p14="http://schemas.microsoft.com/office/powerpoint/2010/main" val="3854577139"/>
+      </p:ext>
+    </p:extLst>
+  </p:cSld>
+  <p:clrMapOvr>
+    <a:masterClrMapping/>
+  </p:clrMapOvr>
+</p:notes>
+</file>
+
+<file path=ppt/notesSlides/notesSlide19.xml><?xml version="1.0" encoding="utf-8"?>
+<p:notes xmlns:a="http://schemas.openxmlformats.org/drawingml/2006/main" xmlns:r="http://schemas.openxmlformats.org/officeDocument/2006/relationships" xmlns:p="http://schemas.openxmlformats.org/presentationml/2006/main">
+  <p:cSld>
+    <p:spTree>
+      <p:nvGrpSpPr>
+        <p:cNvPr id="1" name=""/>
+        <p:cNvGrpSpPr/>
+        <p:nvPr/>
+      </p:nvGrpSpPr>
+      <p:grpSpPr>
+        <a:xfrm>
+          <a:off x="0" y="0"/>
+          <a:ext cx="0" cy="0"/>
+          <a:chOff x="0" y="0"/>
+          <a:chExt cx="0" cy="0"/>
+        </a:xfrm>
+      </p:grpSpPr>
+      <p:sp>
+        <p:nvSpPr>
+          <p:cNvPr id="2" name="投影片影像版面配置區 1"/>
+          <p:cNvSpPr>
+            <a:spLocks noGrp="1" noRot="1" noChangeAspect="1"/>
+          </p:cNvSpPr>
+          <p:nvPr>
+            <p:ph type="sldImg"/>
+          </p:nvPr>
+        </p:nvSpPr>
+        <p:spPr/>
+      </p:sp>
+      <p:sp>
+        <p:nvSpPr>
+          <p:cNvPr id="3" name="備忘稿版面配置區 2"/>
+          <p:cNvSpPr>
+            <a:spLocks noGrp="1"/>
+          </p:cNvSpPr>
+          <p:nvPr>
+            <p:ph type="body" idx="1"/>
+          </p:nvPr>
+        </p:nvSpPr>
+        <p:spPr/>
+        <p:txBody>
+          <a:bodyPr/>
+          <a:lstStyle/>
+          <a:p>
+            <a:endParaRPr lang="zh-TW" altLang="en-US" dirty="0"/>
+          </a:p>
+        </p:txBody>
+      </p:sp>
+      <p:sp>
+        <p:nvSpPr>
+          <p:cNvPr id="4" name="投影片編號版面配置區 3"/>
+          <p:cNvSpPr>
+            <a:spLocks noGrp="1"/>
+          </p:cNvSpPr>
+          <p:nvPr>
+            <p:ph type="sldNum" sz="quarter" idx="5"/>
+          </p:nvPr>
+        </p:nvSpPr>
+        <p:spPr/>
+        <p:txBody>
+          <a:bodyPr/>
+          <a:lstStyle/>
+          <a:p>
+            <a:fld id="{3ABC29A3-9B47-4A73-BDC2-B335115DFECA}" type="slidenum">
+              <a:rPr lang="zh-TW" altLang="en-US" smtClean="0"/>
+              <a:t>42</a:t>
+            </a:fld>
+            <a:endParaRPr lang="zh-TW" altLang="en-US"/>
+          </a:p>
+        </p:txBody>
+      </p:sp>
+    </p:spTree>
+    <p:extLst>
+      <p:ext uri="{BB962C8B-B14F-4D97-AF65-F5344CB8AC3E}">
+        <p14:creationId xmlns:p14="http://schemas.microsoft.com/office/powerpoint/2010/main" val="2180281598"/>
       </p:ext>
     </p:extLst>
   </p:cSld>
@@ -1437,16 +1473,7 @@
           <a:bodyPr/>
           <a:lstStyle/>
           <a:p>
-            <a:r>
-              <a:rPr lang="en-US" altLang="zh-TW" dirty="0"/>
-              <a:t>0~255(FF)(1byte)</a:t>
-            </a:r>
-          </a:p>
-          <a:p>
-            <a:r>
-              <a:rPr lang="zh-TW" altLang="en-US" dirty="0"/>
-              <a:t>左右顏色對調</a:t>
-            </a:r>
+            <a:endParaRPr lang="zh-TW" altLang="en-US" dirty="0"/>
           </a:p>
         </p:txBody>
       </p:sp>
@@ -1530,28 +1557,6 @@
           <a:bodyPr/>
           <a:lstStyle/>
           <a:p>
-            <a:r>
-              <a:rPr lang="zh-TW" altLang="en-US" dirty="0"/>
-              <a:t>因為需要</a:t>
-            </a:r>
-            <a:r>
-              <a:rPr lang="en-US" altLang="zh-TW" dirty="0"/>
-              <a:t>show</a:t>
-            </a:r>
-            <a:r>
-              <a:rPr lang="zh-TW" altLang="en-US" dirty="0"/>
-              <a:t>，所以用</a:t>
-            </a:r>
-            <a:r>
-              <a:rPr lang="en-US" altLang="zh-TW" dirty="0"/>
-              <a:t>subfunction</a:t>
-            </a:r>
-          </a:p>
-          <a:p>
-            <a:r>
-              <a:rPr lang="en-US" altLang="zh-TW" dirty="0"/>
-              <a:t>5min</a:t>
-            </a:r>
             <a:endParaRPr lang="zh-TW" altLang="en-US" dirty="0"/>
           </a:p>
         </p:txBody>
@@ -1720,18 +1725,6 @@
           <a:bodyPr/>
           <a:lstStyle/>
           <a:p>
-            <a:r>
-              <a:rPr lang="zh-TW" altLang="en-US" dirty="0"/>
-              <a:t>效果類似</a:t>
-            </a:r>
-            <a:r>
-              <a:rPr lang="en-US" altLang="zh-TW" dirty="0"/>
-              <a:t>loop</a:t>
-            </a:r>
-            <a:r>
-              <a:rPr lang="zh-TW" altLang="en-US" dirty="0"/>
-              <a:t>但結構上不一樣</a:t>
-            </a:r>
             <a:endParaRPr lang="en-US" altLang="zh-TW" dirty="0"/>
           </a:p>
         </p:txBody>
@@ -1816,21 +1809,7 @@
           <a:bodyPr/>
           <a:lstStyle/>
           <a:p>
-            <a:r>
-              <a:rPr lang="en-US" altLang="zh-TW" dirty="0"/>
-              <a:t>100</a:t>
-            </a:r>
-            <a:r>
-              <a:rPr lang="zh-TW" altLang="en-US" dirty="0"/>
-              <a:t>不執行的原因</a:t>
-            </a:r>
-            <a:endParaRPr lang="en-US" altLang="zh-TW" dirty="0"/>
-          </a:p>
-          <a:p>
-            <a:r>
-              <a:rPr lang="zh-TW" altLang="en-US" dirty="0"/>
-              <a:t>區域變數</a:t>
-            </a:r>
+            <a:endParaRPr lang="zh-TW" altLang="en-US" dirty="0"/>
           </a:p>
         </p:txBody>
       </p:sp>
@@ -1914,23 +1893,7 @@
           <a:bodyPr/>
           <a:lstStyle/>
           <a:p>
-            <a:r>
-              <a:rPr lang="en-US" altLang="zh-TW" dirty="0"/>
-              <a:t>10min</a:t>
-            </a:r>
-          </a:p>
-          <a:p>
-            <a:r>
-              <a:rPr lang="zh-TW" altLang="en-US" dirty="0"/>
-              <a:t>不只呼吸燈</a:t>
-            </a:r>
-            <a:endParaRPr lang="en-US" altLang="zh-TW" dirty="0"/>
-          </a:p>
-          <a:p>
-            <a:r>
-              <a:rPr lang="zh-TW" altLang="en-US" dirty="0"/>
-              <a:t>製造各種不同的顏色效果</a:t>
-            </a:r>
+            <a:endParaRPr lang="zh-TW" altLang="en-US" dirty="0"/>
           </a:p>
         </p:txBody>
       </p:sp>
@@ -2014,10 +1977,7 @@
           <a:bodyPr/>
           <a:lstStyle/>
           <a:p>
-            <a:r>
-              <a:rPr lang="zh-TW" altLang="en-US" dirty="0"/>
-              <a:t>物理方式，平面</a:t>
-            </a:r>
+            <a:endParaRPr lang="zh-TW" altLang="en-US" dirty="0"/>
           </a:p>
         </p:txBody>
       </p:sp>
@@ -2101,25 +2061,6 @@
           <a:bodyPr/>
           <a:lstStyle/>
           <a:p>
-            <a:r>
-              <a:rPr lang="zh-TW" altLang="en-US" dirty="0"/>
-              <a:t>注意</a:t>
-            </a:r>
-            <a:r>
-              <a:rPr lang="en-US" altLang="zh-TW" dirty="0"/>
-              <a:t>delay</a:t>
-            </a:r>
-            <a:r>
-              <a:rPr lang="zh-TW" altLang="en-US" dirty="0"/>
-              <a:t>，不加會出現不準的情形</a:t>
-            </a:r>
-            <a:endParaRPr lang="en-US" altLang="zh-TW" dirty="0"/>
-          </a:p>
-          <a:p>
-            <a:r>
-              <a:rPr lang="en-US" altLang="zh-TW" dirty="0"/>
-              <a:t>5min</a:t>
-            </a:r>
             <a:endParaRPr lang="zh-TW" altLang="en-US" dirty="0"/>
           </a:p>
         </p:txBody>
@@ -31062,6 +31003,939 @@
       </p:grpSpPr>
       <p:sp>
         <p:nvSpPr>
+          <p:cNvPr id="4" name="標題 3">
+            <a:extLst>
+              <a:ext uri="{FF2B5EF4-FFF2-40B4-BE49-F238E27FC236}">
+                <a16:creationId xmlns:a16="http://schemas.microsoft.com/office/drawing/2014/main" id="{3C618BD0-7357-4F85-A56C-747DCD526A29}"/>
+              </a:ext>
+            </a:extLst>
+          </p:cNvPr>
+          <p:cNvSpPr>
+            <a:spLocks noGrp="1"/>
+          </p:cNvSpPr>
+          <p:nvPr>
+            <p:ph type="title"/>
+          </p:nvPr>
+        </p:nvSpPr>
+        <p:spPr>
+          <a:xfrm>
+            <a:off x="444500" y="542925"/>
+            <a:ext cx="11214100" cy="923330"/>
+          </a:xfrm>
+        </p:spPr>
+        <p:txBody>
+          <a:bodyPr/>
+          <a:lstStyle/>
+          <a:p>
+            <a:r>
+              <a:rPr lang="en-US" altLang="zh-TW" sz="6000" dirty="0"/>
+              <a:t>Practice - </a:t>
+            </a:r>
+            <a:r>
+              <a:rPr lang="en-US" altLang="zh-TW" sz="6000" dirty="0" err="1"/>
+              <a:t>ans</a:t>
+            </a:r>
+            <a:endParaRPr lang="zh-TW" altLang="en-US" sz="6000" dirty="0"/>
+          </a:p>
+        </p:txBody>
+      </p:sp>
+      <p:sp>
+        <p:nvSpPr>
+          <p:cNvPr id="5" name="內容版面配置區 4">
+            <a:extLst>
+              <a:ext uri="{FF2B5EF4-FFF2-40B4-BE49-F238E27FC236}">
+                <a16:creationId xmlns:a16="http://schemas.microsoft.com/office/drawing/2014/main" id="{A431B4DC-7FF3-4C42-928F-8F2FAA26F988}"/>
+              </a:ext>
+            </a:extLst>
+          </p:cNvPr>
+          <p:cNvSpPr>
+            <a:spLocks noGrp="1"/>
+          </p:cNvSpPr>
+          <p:nvPr>
+            <p:ph idx="1"/>
+          </p:nvPr>
+        </p:nvSpPr>
+        <p:spPr>
+          <a:xfrm>
+            <a:off x="443365" y="1825625"/>
+            <a:ext cx="11214100" cy="4351338"/>
+          </a:xfrm>
+        </p:spPr>
+        <p:txBody>
+          <a:bodyPr>
+            <a:normAutofit/>
+          </a:bodyPr>
+          <a:lstStyle/>
+          <a:p>
+            <a:pPr marL="0" indent="0">
+              <a:buNone/>
+            </a:pPr>
+            <a:endParaRPr lang="zh-TW" altLang="en-US" dirty="0">
+              <a:latin typeface="思源黑體 TW Medium" panose="020B0600000000000000"/>
+              <a:ea typeface="思源黑體 TW Medium" panose="020B0600000000000000"/>
+              <a:cs typeface="思源黑體 TW Medium" panose="020B0600000000000000"/>
+            </a:endParaRPr>
+          </a:p>
+        </p:txBody>
+      </p:sp>
+      <p:grpSp>
+        <p:nvGrpSpPr>
+          <p:cNvPr id="6" name="群組 5">
+            <a:extLst>
+              <a:ext uri="{FF2B5EF4-FFF2-40B4-BE49-F238E27FC236}">
+                <a16:creationId xmlns:a16="http://schemas.microsoft.com/office/drawing/2014/main" id="{1DB03A09-EFA9-446E-B14E-714605BE7F02}"/>
+              </a:ext>
+            </a:extLst>
+          </p:cNvPr>
+          <p:cNvGrpSpPr/>
+          <p:nvPr/>
+        </p:nvGrpSpPr>
+        <p:grpSpPr>
+          <a:xfrm>
+            <a:off x="0" y="6176963"/>
+            <a:ext cx="12192000" cy="703140"/>
+            <a:chOff x="0" y="6192732"/>
+            <a:chExt cx="12192000" cy="703140"/>
+          </a:xfrm>
+        </p:grpSpPr>
+        <p:sp>
+          <p:nvSpPr>
+            <p:cNvPr id="7" name="矩形 6">
+              <a:extLst>
+                <a:ext uri="{FF2B5EF4-FFF2-40B4-BE49-F238E27FC236}">
+                  <a16:creationId xmlns:a16="http://schemas.microsoft.com/office/drawing/2014/main" id="{30DA9C63-756D-4B37-9F80-D982634B6A42}"/>
+                </a:ext>
+              </a:extLst>
+            </p:cNvPr>
+            <p:cNvSpPr/>
+            <p:nvPr/>
+          </p:nvSpPr>
+          <p:spPr>
+            <a:xfrm>
+              <a:off x="0" y="6212114"/>
+              <a:ext cx="12192000" cy="683758"/>
+            </a:xfrm>
+            <a:prstGeom prst="rect">
+              <a:avLst/>
+            </a:prstGeom>
+            <a:solidFill>
+              <a:srgbClr val="0065A4"/>
+            </a:solidFill>
+            <a:ln>
+              <a:noFill/>
+            </a:ln>
+          </p:spPr>
+          <p:style>
+            <a:lnRef idx="2">
+              <a:schemeClr val="accent5">
+                <a:shade val="50000"/>
+              </a:schemeClr>
+            </a:lnRef>
+            <a:fillRef idx="1">
+              <a:schemeClr val="accent5"/>
+            </a:fillRef>
+            <a:effectRef idx="0">
+              <a:schemeClr val="accent5"/>
+            </a:effectRef>
+            <a:fontRef idx="minor">
+              <a:schemeClr val="lt1"/>
+            </a:fontRef>
+          </p:style>
+          <p:txBody>
+            <a:bodyPr rtlCol="0" anchor="ctr"/>
+            <a:lstStyle/>
+            <a:p>
+              <a:pPr algn="ctr"/>
+              <a:endParaRPr lang="zh-TW" altLang="en-US" dirty="0">
+                <a:highlight>
+                  <a:srgbClr val="00FFFF"/>
+                </a:highlight>
+              </a:endParaRPr>
+            </a:p>
+          </p:txBody>
+        </p:sp>
+        <p:sp>
+          <p:nvSpPr>
+            <p:cNvPr id="8" name="文字方塊 7">
+              <a:extLst>
+                <a:ext uri="{FF2B5EF4-FFF2-40B4-BE49-F238E27FC236}">
+                  <a16:creationId xmlns:a16="http://schemas.microsoft.com/office/drawing/2014/main" id="{A617ED4E-876A-4C6A-B2FD-ABFA65439411}"/>
+                </a:ext>
+              </a:extLst>
+            </p:cNvPr>
+            <p:cNvSpPr txBox="1"/>
+            <p:nvPr/>
+          </p:nvSpPr>
+          <p:spPr>
+            <a:xfrm flipH="1">
+              <a:off x="3186974" y="6211669"/>
+              <a:ext cx="5818052" cy="646331"/>
+            </a:xfrm>
+            <a:prstGeom prst="rect">
+              <a:avLst/>
+            </a:prstGeom>
+            <a:noFill/>
+          </p:spPr>
+          <p:txBody>
+            <a:bodyPr wrap="square" rtlCol="0">
+              <a:spAutoFit/>
+            </a:bodyPr>
+            <a:lstStyle/>
+            <a:p>
+              <a:pPr algn="dist"/>
+              <a:r>
+                <a:rPr lang="zh-TW" altLang="en-US" sz="3600" dirty="0">
+                  <a:solidFill>
+                    <a:schemeClr val="bg1"/>
+                  </a:solidFill>
+                  <a:latin typeface="標楷體" panose="03000509000000000000" pitchFamily="65" charset="-120"/>
+                  <a:ea typeface="標楷體" panose="03000509000000000000" pitchFamily="65" charset="-120"/>
+                </a:rPr>
+                <a:t>電機事務所</a:t>
+              </a:r>
+            </a:p>
+          </p:txBody>
+        </p:sp>
+        <p:pic>
+          <p:nvPicPr>
+            <p:cNvPr id="9" name="圖片 8">
+              <a:extLst>
+                <a:ext uri="{FF2B5EF4-FFF2-40B4-BE49-F238E27FC236}">
+                  <a16:creationId xmlns:a16="http://schemas.microsoft.com/office/drawing/2014/main" id="{20FE69CC-E546-459D-9C4E-D47BE26B4B2E}"/>
+                </a:ext>
+              </a:extLst>
+            </p:cNvPr>
+            <p:cNvPicPr>
+              <a:picLocks noChangeAspect="1"/>
+            </p:cNvPicPr>
+            <p:nvPr/>
+          </p:nvPicPr>
+          <p:blipFill>
+            <a:blip r:embed="rId2">
+              <a:extLst>
+                <a:ext uri="{28A0092B-C50C-407E-A947-70E740481C1C}">
+                  <a14:useLocalDpi xmlns:a14="http://schemas.microsoft.com/office/drawing/2010/main" val="0"/>
+                </a:ext>
+              </a:extLst>
+            </a:blip>
+            <a:stretch>
+              <a:fillRect/>
+            </a:stretch>
+          </p:blipFill>
+          <p:spPr>
+            <a:xfrm>
+              <a:off x="10330269" y="6244819"/>
+              <a:ext cx="580027" cy="580027"/>
+            </a:xfrm>
+            <a:prstGeom prst="rect">
+              <a:avLst/>
+            </a:prstGeom>
+          </p:spPr>
+        </p:pic>
+        <p:pic>
+          <p:nvPicPr>
+            <p:cNvPr id="10" name="圖片 9">
+              <a:extLst>
+                <a:ext uri="{FF2B5EF4-FFF2-40B4-BE49-F238E27FC236}">
+                  <a16:creationId xmlns:a16="http://schemas.microsoft.com/office/drawing/2014/main" id="{05D3740C-3C2F-49BC-B8F4-176998CD17A5}"/>
+                </a:ext>
+              </a:extLst>
+            </p:cNvPr>
+            <p:cNvPicPr>
+              <a:picLocks noChangeAspect="1"/>
+            </p:cNvPicPr>
+            <p:nvPr/>
+          </p:nvPicPr>
+          <p:blipFill>
+            <a:blip r:embed="rId3">
+              <a:extLst>
+                <a:ext uri="{28A0092B-C50C-407E-A947-70E740481C1C}">
+                  <a14:useLocalDpi xmlns:a14="http://schemas.microsoft.com/office/drawing/2010/main" val="0"/>
+                </a:ext>
+              </a:extLst>
+            </a:blip>
+            <a:stretch>
+              <a:fillRect/>
+            </a:stretch>
+          </p:blipFill>
+          <p:spPr>
+            <a:xfrm>
+              <a:off x="1343227" y="6192732"/>
+              <a:ext cx="684203" cy="684203"/>
+            </a:xfrm>
+            <a:prstGeom prst="rect">
+              <a:avLst/>
+            </a:prstGeom>
+          </p:spPr>
+        </p:pic>
+      </p:grpSp>
+      <p:pic>
+        <p:nvPicPr>
+          <p:cNvPr id="13" name="圖片 12">
+            <a:extLst>
+              <a:ext uri="{FF2B5EF4-FFF2-40B4-BE49-F238E27FC236}">
+                <a16:creationId xmlns:a16="http://schemas.microsoft.com/office/drawing/2014/main" id="{5319CEB7-6E33-4960-AE78-18FA6787D723}"/>
+              </a:ext>
+            </a:extLst>
+          </p:cNvPr>
+          <p:cNvPicPr>
+            <a:picLocks noChangeAspect="1"/>
+          </p:cNvPicPr>
+          <p:nvPr/>
+        </p:nvPicPr>
+        <p:blipFill>
+          <a:blip r:embed="rId4"/>
+          <a:stretch>
+            <a:fillRect/>
+          </a:stretch>
+        </p:blipFill>
+        <p:spPr>
+          <a:xfrm>
+            <a:off x="1712409" y="1825625"/>
+            <a:ext cx="8767181" cy="4206758"/>
+          </a:xfrm>
+          <a:prstGeom prst="rect">
+            <a:avLst/>
+          </a:prstGeom>
+        </p:spPr>
+      </p:pic>
+    </p:spTree>
+    <p:extLst>
+      <p:ext uri="{BB962C8B-B14F-4D97-AF65-F5344CB8AC3E}">
+        <p14:creationId xmlns:p14="http://schemas.microsoft.com/office/powerpoint/2010/main" val="2955486940"/>
+      </p:ext>
+    </p:extLst>
+  </p:cSld>
+  <p:clrMapOvr>
+    <a:masterClrMapping/>
+  </p:clrMapOvr>
+</p:sld>
+</file>
+
+<file path=ppt/slides/slide19.xml><?xml version="1.0" encoding="utf-8"?>
+<p:sld xmlns:a="http://schemas.openxmlformats.org/drawingml/2006/main" xmlns:r="http://schemas.openxmlformats.org/officeDocument/2006/relationships" xmlns:p="http://schemas.openxmlformats.org/presentationml/2006/main">
+  <p:cSld>
+    <p:spTree>
+      <p:nvGrpSpPr>
+        <p:cNvPr id="1" name=""/>
+        <p:cNvGrpSpPr/>
+        <p:nvPr/>
+      </p:nvGrpSpPr>
+      <p:grpSpPr>
+        <a:xfrm>
+          <a:off x="0" y="0"/>
+          <a:ext cx="0" cy="0"/>
+          <a:chOff x="0" y="0"/>
+          <a:chExt cx="0" cy="0"/>
+        </a:xfrm>
+      </p:grpSpPr>
+      <p:sp>
+        <p:nvSpPr>
+          <p:cNvPr id="4" name="標題 3">
+            <a:extLst>
+              <a:ext uri="{FF2B5EF4-FFF2-40B4-BE49-F238E27FC236}">
+                <a16:creationId xmlns:a16="http://schemas.microsoft.com/office/drawing/2014/main" id="{3C618BD0-7357-4F85-A56C-747DCD526A29}"/>
+              </a:ext>
+            </a:extLst>
+          </p:cNvPr>
+          <p:cNvSpPr>
+            <a:spLocks noGrp="1"/>
+          </p:cNvSpPr>
+          <p:nvPr>
+            <p:ph type="title"/>
+          </p:nvPr>
+        </p:nvSpPr>
+        <p:spPr>
+          <a:xfrm>
+            <a:off x="444500" y="542925"/>
+            <a:ext cx="11214100" cy="923330"/>
+          </a:xfrm>
+        </p:spPr>
+        <p:txBody>
+          <a:bodyPr/>
+          <a:lstStyle/>
+          <a:p>
+            <a:r>
+              <a:rPr lang="en-US" altLang="zh-TW" sz="6000" dirty="0"/>
+              <a:t>Practice – ans2</a:t>
+            </a:r>
+            <a:endParaRPr lang="zh-TW" altLang="en-US" sz="6000" dirty="0"/>
+          </a:p>
+        </p:txBody>
+      </p:sp>
+      <p:sp>
+        <p:nvSpPr>
+          <p:cNvPr id="5" name="內容版面配置區 4">
+            <a:extLst>
+              <a:ext uri="{FF2B5EF4-FFF2-40B4-BE49-F238E27FC236}">
+                <a16:creationId xmlns:a16="http://schemas.microsoft.com/office/drawing/2014/main" id="{A431B4DC-7FF3-4C42-928F-8F2FAA26F988}"/>
+              </a:ext>
+            </a:extLst>
+          </p:cNvPr>
+          <p:cNvSpPr>
+            <a:spLocks noGrp="1"/>
+          </p:cNvSpPr>
+          <p:nvPr>
+            <p:ph idx="1"/>
+          </p:nvPr>
+        </p:nvSpPr>
+        <p:spPr>
+          <a:xfrm>
+            <a:off x="443365" y="1825625"/>
+            <a:ext cx="11214100" cy="4351338"/>
+          </a:xfrm>
+        </p:spPr>
+        <p:txBody>
+          <a:bodyPr>
+            <a:normAutofit/>
+          </a:bodyPr>
+          <a:lstStyle/>
+          <a:p>
+            <a:pPr marL="0" indent="0">
+              <a:buNone/>
+            </a:pPr>
+            <a:endParaRPr lang="zh-TW" altLang="en-US" dirty="0">
+              <a:latin typeface="思源黑體 TW Medium" panose="020B0600000000000000"/>
+              <a:ea typeface="思源黑體 TW Medium" panose="020B0600000000000000"/>
+              <a:cs typeface="思源黑體 TW Medium" panose="020B0600000000000000"/>
+            </a:endParaRPr>
+          </a:p>
+        </p:txBody>
+      </p:sp>
+      <p:grpSp>
+        <p:nvGrpSpPr>
+          <p:cNvPr id="6" name="群組 5">
+            <a:extLst>
+              <a:ext uri="{FF2B5EF4-FFF2-40B4-BE49-F238E27FC236}">
+                <a16:creationId xmlns:a16="http://schemas.microsoft.com/office/drawing/2014/main" id="{1DB03A09-EFA9-446E-B14E-714605BE7F02}"/>
+              </a:ext>
+            </a:extLst>
+          </p:cNvPr>
+          <p:cNvGrpSpPr/>
+          <p:nvPr/>
+        </p:nvGrpSpPr>
+        <p:grpSpPr>
+          <a:xfrm>
+            <a:off x="0" y="6176963"/>
+            <a:ext cx="12192000" cy="703140"/>
+            <a:chOff x="0" y="6192732"/>
+            <a:chExt cx="12192000" cy="703140"/>
+          </a:xfrm>
+        </p:grpSpPr>
+        <p:sp>
+          <p:nvSpPr>
+            <p:cNvPr id="7" name="矩形 6">
+              <a:extLst>
+                <a:ext uri="{FF2B5EF4-FFF2-40B4-BE49-F238E27FC236}">
+                  <a16:creationId xmlns:a16="http://schemas.microsoft.com/office/drawing/2014/main" id="{30DA9C63-756D-4B37-9F80-D982634B6A42}"/>
+                </a:ext>
+              </a:extLst>
+            </p:cNvPr>
+            <p:cNvSpPr/>
+            <p:nvPr/>
+          </p:nvSpPr>
+          <p:spPr>
+            <a:xfrm>
+              <a:off x="0" y="6212114"/>
+              <a:ext cx="12192000" cy="683758"/>
+            </a:xfrm>
+            <a:prstGeom prst="rect">
+              <a:avLst/>
+            </a:prstGeom>
+            <a:solidFill>
+              <a:srgbClr val="0065A4"/>
+            </a:solidFill>
+            <a:ln>
+              <a:noFill/>
+            </a:ln>
+          </p:spPr>
+          <p:style>
+            <a:lnRef idx="2">
+              <a:schemeClr val="accent5">
+                <a:shade val="50000"/>
+              </a:schemeClr>
+            </a:lnRef>
+            <a:fillRef idx="1">
+              <a:schemeClr val="accent5"/>
+            </a:fillRef>
+            <a:effectRef idx="0">
+              <a:schemeClr val="accent5"/>
+            </a:effectRef>
+            <a:fontRef idx="minor">
+              <a:schemeClr val="lt1"/>
+            </a:fontRef>
+          </p:style>
+          <p:txBody>
+            <a:bodyPr rtlCol="0" anchor="ctr"/>
+            <a:lstStyle/>
+            <a:p>
+              <a:pPr algn="ctr"/>
+              <a:endParaRPr lang="zh-TW" altLang="en-US" dirty="0">
+                <a:highlight>
+                  <a:srgbClr val="00FFFF"/>
+                </a:highlight>
+              </a:endParaRPr>
+            </a:p>
+          </p:txBody>
+        </p:sp>
+        <p:sp>
+          <p:nvSpPr>
+            <p:cNvPr id="8" name="文字方塊 7">
+              <a:extLst>
+                <a:ext uri="{FF2B5EF4-FFF2-40B4-BE49-F238E27FC236}">
+                  <a16:creationId xmlns:a16="http://schemas.microsoft.com/office/drawing/2014/main" id="{A617ED4E-876A-4C6A-B2FD-ABFA65439411}"/>
+                </a:ext>
+              </a:extLst>
+            </p:cNvPr>
+            <p:cNvSpPr txBox="1"/>
+            <p:nvPr/>
+          </p:nvSpPr>
+          <p:spPr>
+            <a:xfrm flipH="1">
+              <a:off x="3186974" y="6211669"/>
+              <a:ext cx="5818052" cy="646331"/>
+            </a:xfrm>
+            <a:prstGeom prst="rect">
+              <a:avLst/>
+            </a:prstGeom>
+            <a:noFill/>
+          </p:spPr>
+          <p:txBody>
+            <a:bodyPr wrap="square" rtlCol="0">
+              <a:spAutoFit/>
+            </a:bodyPr>
+            <a:lstStyle/>
+            <a:p>
+              <a:pPr algn="dist"/>
+              <a:r>
+                <a:rPr lang="zh-TW" altLang="en-US" sz="3600" dirty="0">
+                  <a:solidFill>
+                    <a:schemeClr val="bg1"/>
+                  </a:solidFill>
+                  <a:latin typeface="標楷體" panose="03000509000000000000" pitchFamily="65" charset="-120"/>
+                  <a:ea typeface="標楷體" panose="03000509000000000000" pitchFamily="65" charset="-120"/>
+                </a:rPr>
+                <a:t>電機事務所</a:t>
+              </a:r>
+            </a:p>
+          </p:txBody>
+        </p:sp>
+        <p:pic>
+          <p:nvPicPr>
+            <p:cNvPr id="9" name="圖片 8">
+              <a:extLst>
+                <a:ext uri="{FF2B5EF4-FFF2-40B4-BE49-F238E27FC236}">
+                  <a16:creationId xmlns:a16="http://schemas.microsoft.com/office/drawing/2014/main" id="{20FE69CC-E546-459D-9C4E-D47BE26B4B2E}"/>
+                </a:ext>
+              </a:extLst>
+            </p:cNvPr>
+            <p:cNvPicPr>
+              <a:picLocks noChangeAspect="1"/>
+            </p:cNvPicPr>
+            <p:nvPr/>
+          </p:nvPicPr>
+          <p:blipFill>
+            <a:blip r:embed="rId2">
+              <a:extLst>
+                <a:ext uri="{28A0092B-C50C-407E-A947-70E740481C1C}">
+                  <a14:useLocalDpi xmlns:a14="http://schemas.microsoft.com/office/drawing/2010/main" val="0"/>
+                </a:ext>
+              </a:extLst>
+            </a:blip>
+            <a:stretch>
+              <a:fillRect/>
+            </a:stretch>
+          </p:blipFill>
+          <p:spPr>
+            <a:xfrm>
+              <a:off x="10330269" y="6244819"/>
+              <a:ext cx="580027" cy="580027"/>
+            </a:xfrm>
+            <a:prstGeom prst="rect">
+              <a:avLst/>
+            </a:prstGeom>
+          </p:spPr>
+        </p:pic>
+        <p:pic>
+          <p:nvPicPr>
+            <p:cNvPr id="10" name="圖片 9">
+              <a:extLst>
+                <a:ext uri="{FF2B5EF4-FFF2-40B4-BE49-F238E27FC236}">
+                  <a16:creationId xmlns:a16="http://schemas.microsoft.com/office/drawing/2014/main" id="{05D3740C-3C2F-49BC-B8F4-176998CD17A5}"/>
+                </a:ext>
+              </a:extLst>
+            </p:cNvPr>
+            <p:cNvPicPr>
+              <a:picLocks noChangeAspect="1"/>
+            </p:cNvPicPr>
+            <p:nvPr/>
+          </p:nvPicPr>
+          <p:blipFill>
+            <a:blip r:embed="rId3">
+              <a:extLst>
+                <a:ext uri="{28A0092B-C50C-407E-A947-70E740481C1C}">
+                  <a14:useLocalDpi xmlns:a14="http://schemas.microsoft.com/office/drawing/2010/main" val="0"/>
+                </a:ext>
+              </a:extLst>
+            </a:blip>
+            <a:stretch>
+              <a:fillRect/>
+            </a:stretch>
+          </p:blipFill>
+          <p:spPr>
+            <a:xfrm>
+              <a:off x="1343227" y="6192732"/>
+              <a:ext cx="684203" cy="684203"/>
+            </a:xfrm>
+            <a:prstGeom prst="rect">
+              <a:avLst/>
+            </a:prstGeom>
+          </p:spPr>
+        </p:pic>
+      </p:grpSp>
+      <p:pic>
+        <p:nvPicPr>
+          <p:cNvPr id="13" name="圖片 12">
+            <a:extLst>
+              <a:ext uri="{FF2B5EF4-FFF2-40B4-BE49-F238E27FC236}">
+                <a16:creationId xmlns:a16="http://schemas.microsoft.com/office/drawing/2014/main" id="{BB86DDF9-EE8D-4AE7-A3F7-1FD1D77C1D98}"/>
+              </a:ext>
+            </a:extLst>
+          </p:cNvPr>
+          <p:cNvPicPr>
+            <a:picLocks noChangeAspect="1"/>
+          </p:cNvPicPr>
+          <p:nvPr/>
+        </p:nvPicPr>
+        <p:blipFill>
+          <a:blip r:embed="rId4"/>
+          <a:stretch>
+            <a:fillRect/>
+          </a:stretch>
+        </p:blipFill>
+        <p:spPr>
+          <a:xfrm>
+            <a:off x="2392160" y="1794800"/>
+            <a:ext cx="7316509" cy="4382163"/>
+          </a:xfrm>
+          <a:prstGeom prst="rect">
+            <a:avLst/>
+          </a:prstGeom>
+        </p:spPr>
+      </p:pic>
+    </p:spTree>
+    <p:extLst>
+      <p:ext uri="{BB962C8B-B14F-4D97-AF65-F5344CB8AC3E}">
+        <p14:creationId xmlns:p14="http://schemas.microsoft.com/office/powerpoint/2010/main" val="1126085163"/>
+      </p:ext>
+    </p:extLst>
+  </p:cSld>
+  <p:clrMapOvr>
+    <a:masterClrMapping/>
+  </p:clrMapOvr>
+</p:sld>
+</file>
+
+<file path=ppt/slides/slide2.xml><?xml version="1.0" encoding="utf-8"?>
+<p:sld xmlns:a="http://schemas.openxmlformats.org/drawingml/2006/main" xmlns:r="http://schemas.openxmlformats.org/officeDocument/2006/relationships" xmlns:p="http://schemas.openxmlformats.org/presentationml/2006/main">
+  <p:cSld>
+    <p:spTree>
+      <p:nvGrpSpPr>
+        <p:cNvPr id="1" name=""/>
+        <p:cNvGrpSpPr/>
+        <p:nvPr/>
+      </p:nvGrpSpPr>
+      <p:grpSpPr>
+        <a:xfrm>
+          <a:off x="0" y="0"/>
+          <a:ext cx="0" cy="0"/>
+          <a:chOff x="0" y="0"/>
+          <a:chExt cx="0" cy="0"/>
+        </a:xfrm>
+      </p:grpSpPr>
+      <p:sp>
+        <p:nvSpPr>
+          <p:cNvPr id="5" name="內容版面配置區 4">
+            <a:extLst>
+              <a:ext uri="{FF2B5EF4-FFF2-40B4-BE49-F238E27FC236}">
+                <a16:creationId xmlns:a16="http://schemas.microsoft.com/office/drawing/2014/main" id="{A431B4DC-7FF3-4C42-928F-8F2FAA26F988}"/>
+              </a:ext>
+            </a:extLst>
+          </p:cNvPr>
+          <p:cNvSpPr>
+            <a:spLocks noGrp="1"/>
+          </p:cNvSpPr>
+          <p:nvPr>
+            <p:ph type="body" idx="1"/>
+          </p:nvPr>
+        </p:nvSpPr>
+        <p:spPr/>
+        <p:txBody>
+          <a:bodyPr>
+            <a:normAutofit fontScale="77500" lnSpcReduction="20000"/>
+          </a:bodyPr>
+          <a:lstStyle/>
+          <a:p>
+            <a:endParaRPr lang="zh-TW" altLang="en-US" sz="3200" dirty="0">
+              <a:latin typeface="+mj-lt"/>
+            </a:endParaRPr>
+          </a:p>
+        </p:txBody>
+      </p:sp>
+      <p:sp>
+        <p:nvSpPr>
+          <p:cNvPr id="4" name="標題 3">
+            <a:extLst>
+              <a:ext uri="{FF2B5EF4-FFF2-40B4-BE49-F238E27FC236}">
+                <a16:creationId xmlns:a16="http://schemas.microsoft.com/office/drawing/2014/main" id="{3C618BD0-7357-4F85-A56C-747DCD526A29}"/>
+              </a:ext>
+            </a:extLst>
+          </p:cNvPr>
+          <p:cNvSpPr>
+            <a:spLocks noGrp="1"/>
+          </p:cNvSpPr>
+          <p:nvPr>
+            <p:ph type="title"/>
+          </p:nvPr>
+        </p:nvSpPr>
+        <p:spPr/>
+        <p:txBody>
+          <a:bodyPr>
+            <a:normAutofit fontScale="90000"/>
+          </a:bodyPr>
+          <a:lstStyle/>
+          <a:p>
+            <a:r>
+              <a:rPr lang="en-US" altLang="zh-TW" sz="6000" dirty="0"/>
+              <a:t>CH6 RGB LED</a:t>
+            </a:r>
+            <a:endParaRPr lang="zh-TW" altLang="en-US" sz="6000" dirty="0"/>
+          </a:p>
+        </p:txBody>
+      </p:sp>
+      <p:grpSp>
+        <p:nvGrpSpPr>
+          <p:cNvPr id="6" name="群組 5">
+            <a:extLst>
+              <a:ext uri="{FF2B5EF4-FFF2-40B4-BE49-F238E27FC236}">
+                <a16:creationId xmlns:a16="http://schemas.microsoft.com/office/drawing/2014/main" id="{1DB03A09-EFA9-446E-B14E-714605BE7F02}"/>
+              </a:ext>
+            </a:extLst>
+          </p:cNvPr>
+          <p:cNvGrpSpPr/>
+          <p:nvPr/>
+        </p:nvGrpSpPr>
+        <p:grpSpPr>
+          <a:xfrm>
+            <a:off x="0" y="6176963"/>
+            <a:ext cx="12192000" cy="703140"/>
+            <a:chOff x="0" y="6192732"/>
+            <a:chExt cx="12192000" cy="703140"/>
+          </a:xfrm>
+        </p:grpSpPr>
+        <p:sp>
+          <p:nvSpPr>
+            <p:cNvPr id="7" name="矩形 6">
+              <a:extLst>
+                <a:ext uri="{FF2B5EF4-FFF2-40B4-BE49-F238E27FC236}">
+                  <a16:creationId xmlns:a16="http://schemas.microsoft.com/office/drawing/2014/main" id="{30DA9C63-756D-4B37-9F80-D982634B6A42}"/>
+                </a:ext>
+              </a:extLst>
+            </p:cNvPr>
+            <p:cNvSpPr/>
+            <p:nvPr/>
+          </p:nvSpPr>
+          <p:spPr>
+            <a:xfrm>
+              <a:off x="0" y="6212114"/>
+              <a:ext cx="12192000" cy="683758"/>
+            </a:xfrm>
+            <a:prstGeom prst="rect">
+              <a:avLst/>
+            </a:prstGeom>
+            <a:solidFill>
+              <a:srgbClr val="0065A4"/>
+            </a:solidFill>
+            <a:ln>
+              <a:noFill/>
+            </a:ln>
+          </p:spPr>
+          <p:style>
+            <a:lnRef idx="2">
+              <a:schemeClr val="accent5">
+                <a:shade val="50000"/>
+              </a:schemeClr>
+            </a:lnRef>
+            <a:fillRef idx="1">
+              <a:schemeClr val="accent5"/>
+            </a:fillRef>
+            <a:effectRef idx="0">
+              <a:schemeClr val="accent5"/>
+            </a:effectRef>
+            <a:fontRef idx="minor">
+              <a:schemeClr val="lt1"/>
+            </a:fontRef>
+          </p:style>
+          <p:txBody>
+            <a:bodyPr rtlCol="0" anchor="ctr"/>
+            <a:lstStyle/>
+            <a:p>
+              <a:pPr algn="ctr"/>
+              <a:endParaRPr lang="zh-TW" altLang="en-US" dirty="0">
+                <a:highlight>
+                  <a:srgbClr val="00FFFF"/>
+                </a:highlight>
+              </a:endParaRPr>
+            </a:p>
+          </p:txBody>
+        </p:sp>
+        <p:sp>
+          <p:nvSpPr>
+            <p:cNvPr id="8" name="文字方塊 7">
+              <a:extLst>
+                <a:ext uri="{FF2B5EF4-FFF2-40B4-BE49-F238E27FC236}">
+                  <a16:creationId xmlns:a16="http://schemas.microsoft.com/office/drawing/2014/main" id="{A617ED4E-876A-4C6A-B2FD-ABFA65439411}"/>
+                </a:ext>
+              </a:extLst>
+            </p:cNvPr>
+            <p:cNvSpPr txBox="1"/>
+            <p:nvPr/>
+          </p:nvSpPr>
+          <p:spPr>
+            <a:xfrm flipH="1">
+              <a:off x="3186974" y="6211669"/>
+              <a:ext cx="5818052" cy="646331"/>
+            </a:xfrm>
+            <a:prstGeom prst="rect">
+              <a:avLst/>
+            </a:prstGeom>
+            <a:noFill/>
+          </p:spPr>
+          <p:txBody>
+            <a:bodyPr wrap="square" rtlCol="0">
+              <a:spAutoFit/>
+            </a:bodyPr>
+            <a:lstStyle/>
+            <a:p>
+              <a:pPr algn="dist"/>
+              <a:r>
+                <a:rPr lang="zh-TW" altLang="en-US" sz="3600" dirty="0">
+                  <a:solidFill>
+                    <a:schemeClr val="bg1"/>
+                  </a:solidFill>
+                  <a:latin typeface="標楷體" panose="03000509000000000000" pitchFamily="65" charset="-120"/>
+                  <a:ea typeface="標楷體" panose="03000509000000000000" pitchFamily="65" charset="-120"/>
+                </a:rPr>
+                <a:t>電機事務所</a:t>
+              </a:r>
+            </a:p>
+          </p:txBody>
+        </p:sp>
+        <p:pic>
+          <p:nvPicPr>
+            <p:cNvPr id="9" name="圖片 8">
+              <a:extLst>
+                <a:ext uri="{FF2B5EF4-FFF2-40B4-BE49-F238E27FC236}">
+                  <a16:creationId xmlns:a16="http://schemas.microsoft.com/office/drawing/2014/main" id="{20FE69CC-E546-459D-9C4E-D47BE26B4B2E}"/>
+                </a:ext>
+              </a:extLst>
+            </p:cNvPr>
+            <p:cNvPicPr>
+              <a:picLocks noChangeAspect="1"/>
+            </p:cNvPicPr>
+            <p:nvPr/>
+          </p:nvPicPr>
+          <p:blipFill>
+            <a:blip r:embed="rId2">
+              <a:extLst>
+                <a:ext uri="{28A0092B-C50C-407E-A947-70E740481C1C}">
+                  <a14:useLocalDpi xmlns:a14="http://schemas.microsoft.com/office/drawing/2010/main" val="0"/>
+                </a:ext>
+              </a:extLst>
+            </a:blip>
+            <a:stretch>
+              <a:fillRect/>
+            </a:stretch>
+          </p:blipFill>
+          <p:spPr>
+            <a:xfrm>
+              <a:off x="10330269" y="6244819"/>
+              <a:ext cx="580027" cy="580027"/>
+            </a:xfrm>
+            <a:prstGeom prst="rect">
+              <a:avLst/>
+            </a:prstGeom>
+          </p:spPr>
+        </p:pic>
+        <p:pic>
+          <p:nvPicPr>
+            <p:cNvPr id="10" name="圖片 9">
+              <a:extLst>
+                <a:ext uri="{FF2B5EF4-FFF2-40B4-BE49-F238E27FC236}">
+                  <a16:creationId xmlns:a16="http://schemas.microsoft.com/office/drawing/2014/main" id="{05D3740C-3C2F-49BC-B8F4-176998CD17A5}"/>
+                </a:ext>
+              </a:extLst>
+            </p:cNvPr>
+            <p:cNvPicPr>
+              <a:picLocks noChangeAspect="1"/>
+            </p:cNvPicPr>
+            <p:nvPr/>
+          </p:nvPicPr>
+          <p:blipFill>
+            <a:blip r:embed="rId3">
+              <a:extLst>
+                <a:ext uri="{28A0092B-C50C-407E-A947-70E740481C1C}">
+                  <a14:useLocalDpi xmlns:a14="http://schemas.microsoft.com/office/drawing/2010/main" val="0"/>
+                </a:ext>
+              </a:extLst>
+            </a:blip>
+            <a:stretch>
+              <a:fillRect/>
+            </a:stretch>
+          </p:blipFill>
+          <p:spPr>
+            <a:xfrm>
+              <a:off x="1343227" y="6192732"/>
+              <a:ext cx="684203" cy="684203"/>
+            </a:xfrm>
+            <a:prstGeom prst="rect">
+              <a:avLst/>
+            </a:prstGeom>
+          </p:spPr>
+        </p:pic>
+      </p:grpSp>
+    </p:spTree>
+    <p:extLst>
+      <p:ext uri="{BB962C8B-B14F-4D97-AF65-F5344CB8AC3E}">
+        <p14:creationId xmlns:p14="http://schemas.microsoft.com/office/powerpoint/2010/main" val="2349192679"/>
+      </p:ext>
+    </p:extLst>
+  </p:cSld>
+  <p:clrMapOvr>
+    <a:masterClrMapping/>
+  </p:clrMapOvr>
+</p:sld>
+</file>
+
+<file path=ppt/slides/slide20.xml><?xml version="1.0" encoding="utf-8"?>
+<p:sld xmlns:a="http://schemas.openxmlformats.org/drawingml/2006/main" xmlns:r="http://schemas.openxmlformats.org/officeDocument/2006/relationships" xmlns:p="http://schemas.openxmlformats.org/presentationml/2006/main">
+  <p:cSld>
+    <p:spTree>
+      <p:nvGrpSpPr>
+        <p:cNvPr id="1" name=""/>
+        <p:cNvGrpSpPr/>
+        <p:nvPr/>
+      </p:nvGrpSpPr>
+      <p:grpSpPr>
+        <a:xfrm>
+          <a:off x="0" y="0"/>
+          <a:ext cx="0" cy="0"/>
+          <a:chOff x="0" y="0"/>
+          <a:chExt cx="0" cy="0"/>
+        </a:xfrm>
+      </p:grpSpPr>
+      <p:sp>
+        <p:nvSpPr>
           <p:cNvPr id="3" name="副標題 2">
             <a:extLst>
               <a:ext uri="{FF2B5EF4-FFF2-40B4-BE49-F238E27FC236}">
@@ -31338,7 +32212,7 @@
 </p:sld>
 </file>
 
-<file path=ppt/slides/slide19.xml><?xml version="1.0" encoding="utf-8"?>
+<file path=ppt/slides/slide21.xml><?xml version="1.0" encoding="utf-8"?>
 <p:sld xmlns:a="http://schemas.openxmlformats.org/drawingml/2006/main" xmlns:r="http://schemas.openxmlformats.org/officeDocument/2006/relationships" xmlns:p="http://schemas.openxmlformats.org/presentationml/2006/main">
   <p:cSld>
     <p:spTree>
@@ -31670,288 +32544,7 @@
 </p:sld>
 </file>
 
-<file path=ppt/slides/slide2.xml><?xml version="1.0" encoding="utf-8"?>
-<p:sld xmlns:a="http://schemas.openxmlformats.org/drawingml/2006/main" xmlns:r="http://schemas.openxmlformats.org/officeDocument/2006/relationships" xmlns:p="http://schemas.openxmlformats.org/presentationml/2006/main">
-  <p:cSld>
-    <p:spTree>
-      <p:nvGrpSpPr>
-        <p:cNvPr id="1" name=""/>
-        <p:cNvGrpSpPr/>
-        <p:nvPr/>
-      </p:nvGrpSpPr>
-      <p:grpSpPr>
-        <a:xfrm>
-          <a:off x="0" y="0"/>
-          <a:ext cx="0" cy="0"/>
-          <a:chOff x="0" y="0"/>
-          <a:chExt cx="0" cy="0"/>
-        </a:xfrm>
-      </p:grpSpPr>
-      <p:sp>
-        <p:nvSpPr>
-          <p:cNvPr id="5" name="內容版面配置區 4">
-            <a:extLst>
-              <a:ext uri="{FF2B5EF4-FFF2-40B4-BE49-F238E27FC236}">
-                <a16:creationId xmlns:a16="http://schemas.microsoft.com/office/drawing/2014/main" id="{A431B4DC-7FF3-4C42-928F-8F2FAA26F988}"/>
-              </a:ext>
-            </a:extLst>
-          </p:cNvPr>
-          <p:cNvSpPr>
-            <a:spLocks noGrp="1"/>
-          </p:cNvSpPr>
-          <p:nvPr>
-            <p:ph type="body" idx="1"/>
-          </p:nvPr>
-        </p:nvSpPr>
-        <p:spPr/>
-        <p:txBody>
-          <a:bodyPr>
-            <a:normAutofit fontScale="77500" lnSpcReduction="20000"/>
-          </a:bodyPr>
-          <a:lstStyle/>
-          <a:p>
-            <a:endParaRPr lang="zh-TW" altLang="en-US" sz="3200" dirty="0">
-              <a:latin typeface="+mj-lt"/>
-            </a:endParaRPr>
-          </a:p>
-        </p:txBody>
-      </p:sp>
-      <p:sp>
-        <p:nvSpPr>
-          <p:cNvPr id="4" name="標題 3">
-            <a:extLst>
-              <a:ext uri="{FF2B5EF4-FFF2-40B4-BE49-F238E27FC236}">
-                <a16:creationId xmlns:a16="http://schemas.microsoft.com/office/drawing/2014/main" id="{3C618BD0-7357-4F85-A56C-747DCD526A29}"/>
-              </a:ext>
-            </a:extLst>
-          </p:cNvPr>
-          <p:cNvSpPr>
-            <a:spLocks noGrp="1"/>
-          </p:cNvSpPr>
-          <p:nvPr>
-            <p:ph type="title"/>
-          </p:nvPr>
-        </p:nvSpPr>
-        <p:spPr/>
-        <p:txBody>
-          <a:bodyPr>
-            <a:normAutofit fontScale="90000"/>
-          </a:bodyPr>
-          <a:lstStyle/>
-          <a:p>
-            <a:r>
-              <a:rPr lang="en-US" altLang="zh-TW" sz="6000" dirty="0"/>
-              <a:t>CH6 RGB LED</a:t>
-            </a:r>
-            <a:endParaRPr lang="zh-TW" altLang="en-US" sz="6000" dirty="0"/>
-          </a:p>
-        </p:txBody>
-      </p:sp>
-      <p:grpSp>
-        <p:nvGrpSpPr>
-          <p:cNvPr id="6" name="群組 5">
-            <a:extLst>
-              <a:ext uri="{FF2B5EF4-FFF2-40B4-BE49-F238E27FC236}">
-                <a16:creationId xmlns:a16="http://schemas.microsoft.com/office/drawing/2014/main" id="{1DB03A09-EFA9-446E-B14E-714605BE7F02}"/>
-              </a:ext>
-            </a:extLst>
-          </p:cNvPr>
-          <p:cNvGrpSpPr/>
-          <p:nvPr/>
-        </p:nvGrpSpPr>
-        <p:grpSpPr>
-          <a:xfrm>
-            <a:off x="0" y="6176963"/>
-            <a:ext cx="12192000" cy="703140"/>
-            <a:chOff x="0" y="6192732"/>
-            <a:chExt cx="12192000" cy="703140"/>
-          </a:xfrm>
-        </p:grpSpPr>
-        <p:sp>
-          <p:nvSpPr>
-            <p:cNvPr id="7" name="矩形 6">
-              <a:extLst>
-                <a:ext uri="{FF2B5EF4-FFF2-40B4-BE49-F238E27FC236}">
-                  <a16:creationId xmlns:a16="http://schemas.microsoft.com/office/drawing/2014/main" id="{30DA9C63-756D-4B37-9F80-D982634B6A42}"/>
-                </a:ext>
-              </a:extLst>
-            </p:cNvPr>
-            <p:cNvSpPr/>
-            <p:nvPr/>
-          </p:nvSpPr>
-          <p:spPr>
-            <a:xfrm>
-              <a:off x="0" y="6212114"/>
-              <a:ext cx="12192000" cy="683758"/>
-            </a:xfrm>
-            <a:prstGeom prst="rect">
-              <a:avLst/>
-            </a:prstGeom>
-            <a:solidFill>
-              <a:srgbClr val="0065A4"/>
-            </a:solidFill>
-            <a:ln>
-              <a:noFill/>
-            </a:ln>
-          </p:spPr>
-          <p:style>
-            <a:lnRef idx="2">
-              <a:schemeClr val="accent5">
-                <a:shade val="50000"/>
-              </a:schemeClr>
-            </a:lnRef>
-            <a:fillRef idx="1">
-              <a:schemeClr val="accent5"/>
-            </a:fillRef>
-            <a:effectRef idx="0">
-              <a:schemeClr val="accent5"/>
-            </a:effectRef>
-            <a:fontRef idx="minor">
-              <a:schemeClr val="lt1"/>
-            </a:fontRef>
-          </p:style>
-          <p:txBody>
-            <a:bodyPr rtlCol="0" anchor="ctr"/>
-            <a:lstStyle/>
-            <a:p>
-              <a:pPr algn="ctr"/>
-              <a:endParaRPr lang="zh-TW" altLang="en-US" dirty="0">
-                <a:highlight>
-                  <a:srgbClr val="00FFFF"/>
-                </a:highlight>
-              </a:endParaRPr>
-            </a:p>
-          </p:txBody>
-        </p:sp>
-        <p:sp>
-          <p:nvSpPr>
-            <p:cNvPr id="8" name="文字方塊 7">
-              <a:extLst>
-                <a:ext uri="{FF2B5EF4-FFF2-40B4-BE49-F238E27FC236}">
-                  <a16:creationId xmlns:a16="http://schemas.microsoft.com/office/drawing/2014/main" id="{A617ED4E-876A-4C6A-B2FD-ABFA65439411}"/>
-                </a:ext>
-              </a:extLst>
-            </p:cNvPr>
-            <p:cNvSpPr txBox="1"/>
-            <p:nvPr/>
-          </p:nvSpPr>
-          <p:spPr>
-            <a:xfrm flipH="1">
-              <a:off x="3186974" y="6211669"/>
-              <a:ext cx="5818052" cy="646331"/>
-            </a:xfrm>
-            <a:prstGeom prst="rect">
-              <a:avLst/>
-            </a:prstGeom>
-            <a:noFill/>
-          </p:spPr>
-          <p:txBody>
-            <a:bodyPr wrap="square" rtlCol="0">
-              <a:spAutoFit/>
-            </a:bodyPr>
-            <a:lstStyle/>
-            <a:p>
-              <a:pPr algn="dist"/>
-              <a:r>
-                <a:rPr lang="zh-TW" altLang="en-US" sz="3600" dirty="0">
-                  <a:solidFill>
-                    <a:schemeClr val="bg1"/>
-                  </a:solidFill>
-                  <a:latin typeface="標楷體" panose="03000509000000000000" pitchFamily="65" charset="-120"/>
-                  <a:ea typeface="標楷體" panose="03000509000000000000" pitchFamily="65" charset="-120"/>
-                </a:rPr>
-                <a:t>電機事務所</a:t>
-              </a:r>
-            </a:p>
-          </p:txBody>
-        </p:sp>
-        <p:pic>
-          <p:nvPicPr>
-            <p:cNvPr id="9" name="圖片 8">
-              <a:extLst>
-                <a:ext uri="{FF2B5EF4-FFF2-40B4-BE49-F238E27FC236}">
-                  <a16:creationId xmlns:a16="http://schemas.microsoft.com/office/drawing/2014/main" id="{20FE69CC-E546-459D-9C4E-D47BE26B4B2E}"/>
-                </a:ext>
-              </a:extLst>
-            </p:cNvPr>
-            <p:cNvPicPr>
-              <a:picLocks noChangeAspect="1"/>
-            </p:cNvPicPr>
-            <p:nvPr/>
-          </p:nvPicPr>
-          <p:blipFill>
-            <a:blip r:embed="rId2">
-              <a:extLst>
-                <a:ext uri="{28A0092B-C50C-407E-A947-70E740481C1C}">
-                  <a14:useLocalDpi xmlns:a14="http://schemas.microsoft.com/office/drawing/2010/main" val="0"/>
-                </a:ext>
-              </a:extLst>
-            </a:blip>
-            <a:stretch>
-              <a:fillRect/>
-            </a:stretch>
-          </p:blipFill>
-          <p:spPr>
-            <a:xfrm>
-              <a:off x="10330269" y="6244819"/>
-              <a:ext cx="580027" cy="580027"/>
-            </a:xfrm>
-            <a:prstGeom prst="rect">
-              <a:avLst/>
-            </a:prstGeom>
-          </p:spPr>
-        </p:pic>
-        <p:pic>
-          <p:nvPicPr>
-            <p:cNvPr id="10" name="圖片 9">
-              <a:extLst>
-                <a:ext uri="{FF2B5EF4-FFF2-40B4-BE49-F238E27FC236}">
-                  <a16:creationId xmlns:a16="http://schemas.microsoft.com/office/drawing/2014/main" id="{05D3740C-3C2F-49BC-B8F4-176998CD17A5}"/>
-                </a:ext>
-              </a:extLst>
-            </p:cNvPr>
-            <p:cNvPicPr>
-              <a:picLocks noChangeAspect="1"/>
-            </p:cNvPicPr>
-            <p:nvPr/>
-          </p:nvPicPr>
-          <p:blipFill>
-            <a:blip r:embed="rId3">
-              <a:extLst>
-                <a:ext uri="{28A0092B-C50C-407E-A947-70E740481C1C}">
-                  <a14:useLocalDpi xmlns:a14="http://schemas.microsoft.com/office/drawing/2010/main" val="0"/>
-                </a:ext>
-              </a:extLst>
-            </a:blip>
-            <a:stretch>
-              <a:fillRect/>
-            </a:stretch>
-          </p:blipFill>
-          <p:spPr>
-            <a:xfrm>
-              <a:off x="1343227" y="6192732"/>
-              <a:ext cx="684203" cy="684203"/>
-            </a:xfrm>
-            <a:prstGeom prst="rect">
-              <a:avLst/>
-            </a:prstGeom>
-          </p:spPr>
-        </p:pic>
-      </p:grpSp>
-    </p:spTree>
-    <p:extLst>
-      <p:ext uri="{BB962C8B-B14F-4D97-AF65-F5344CB8AC3E}">
-        <p14:creationId xmlns:p14="http://schemas.microsoft.com/office/powerpoint/2010/main" val="2349192679"/>
-      </p:ext>
-    </p:extLst>
-  </p:cSld>
-  <p:clrMapOvr>
-    <a:masterClrMapping/>
-  </p:clrMapOvr>
-</p:sld>
-</file>
-
-<file path=ppt/slides/slide20.xml><?xml version="1.0" encoding="utf-8"?>
+<file path=ppt/slides/slide22.xml><?xml version="1.0" encoding="utf-8"?>
 <p:sld xmlns:a="http://schemas.openxmlformats.org/drawingml/2006/main" xmlns:r="http://schemas.openxmlformats.org/officeDocument/2006/relationships" xmlns:p="http://schemas.openxmlformats.org/presentationml/2006/main">
   <p:cSld>
     <p:spTree>
@@ -32284,7 +32877,7 @@
 </p:sld>
 </file>
 
-<file path=ppt/slides/slide21.xml><?xml version="1.0" encoding="utf-8"?>
+<file path=ppt/slides/slide23.xml><?xml version="1.0" encoding="utf-8"?>
 <p:sld xmlns:a="http://schemas.openxmlformats.org/drawingml/2006/main" xmlns:r="http://schemas.openxmlformats.org/officeDocument/2006/relationships" xmlns:p="http://schemas.openxmlformats.org/presentationml/2006/main">
   <p:cSld>
     <p:spTree>
@@ -33184,7 +33777,7 @@
 </p:sld>
 </file>
 
-<file path=ppt/slides/slide22.xml><?xml version="1.0" encoding="utf-8"?>
+<file path=ppt/slides/slide24.xml><?xml version="1.0" encoding="utf-8"?>
 <p:sld xmlns:a="http://schemas.openxmlformats.org/drawingml/2006/main" xmlns:r="http://schemas.openxmlformats.org/officeDocument/2006/relationships" xmlns:p="http://schemas.openxmlformats.org/presentationml/2006/main">
   <p:cSld>
     <p:spTree>
@@ -33929,7 +34522,7 @@
 </p:sld>
 </file>
 
-<file path=ppt/slides/slide23.xml><?xml version="1.0" encoding="utf-8"?>
+<file path=ppt/slides/slide25.xml><?xml version="1.0" encoding="utf-8"?>
 <p:sld xmlns:a="http://schemas.openxmlformats.org/drawingml/2006/main" xmlns:r="http://schemas.openxmlformats.org/officeDocument/2006/relationships" xmlns:p="http://schemas.openxmlformats.org/presentationml/2006/main">
   <p:cSld>
     <p:spTree>
@@ -34293,7 +34886,632 @@
 </p:sld>
 </file>
 
-<file path=ppt/slides/slide24.xml><?xml version="1.0" encoding="utf-8"?>
+<file path=ppt/slides/slide26.xml><?xml version="1.0" encoding="utf-8"?>
+<p:sld xmlns:a="http://schemas.openxmlformats.org/drawingml/2006/main" xmlns:r="http://schemas.openxmlformats.org/officeDocument/2006/relationships" xmlns:p="http://schemas.openxmlformats.org/presentationml/2006/main">
+  <p:cSld>
+    <p:spTree>
+      <p:nvGrpSpPr>
+        <p:cNvPr id="1" name=""/>
+        <p:cNvGrpSpPr/>
+        <p:nvPr/>
+      </p:nvGrpSpPr>
+      <p:grpSpPr>
+        <a:xfrm>
+          <a:off x="0" y="0"/>
+          <a:ext cx="0" cy="0"/>
+          <a:chOff x="0" y="0"/>
+          <a:chExt cx="0" cy="0"/>
+        </a:xfrm>
+      </p:grpSpPr>
+      <p:sp>
+        <p:nvSpPr>
+          <p:cNvPr id="4" name="標題 3">
+            <a:extLst>
+              <a:ext uri="{FF2B5EF4-FFF2-40B4-BE49-F238E27FC236}">
+                <a16:creationId xmlns:a16="http://schemas.microsoft.com/office/drawing/2014/main" id="{3C618BD0-7357-4F85-A56C-747DCD526A29}"/>
+              </a:ext>
+            </a:extLst>
+          </p:cNvPr>
+          <p:cNvSpPr>
+            <a:spLocks noGrp="1"/>
+          </p:cNvSpPr>
+          <p:nvPr>
+            <p:ph type="title"/>
+          </p:nvPr>
+        </p:nvSpPr>
+        <p:spPr>
+          <a:xfrm>
+            <a:off x="444500" y="542925"/>
+            <a:ext cx="11214100" cy="923330"/>
+          </a:xfrm>
+        </p:spPr>
+        <p:txBody>
+          <a:bodyPr/>
+          <a:lstStyle/>
+          <a:p>
+            <a:r>
+              <a:rPr lang="en-US" altLang="zh-TW" sz="6000" dirty="0"/>
+              <a:t>Practice2</a:t>
+            </a:r>
+            <a:r>
+              <a:rPr lang="zh-TW" altLang="en-US" sz="6000" dirty="0"/>
+              <a:t> </a:t>
+            </a:r>
+            <a:r>
+              <a:rPr lang="en-US" altLang="zh-TW" sz="6000" dirty="0"/>
+              <a:t>-</a:t>
+            </a:r>
+            <a:r>
+              <a:rPr lang="zh-TW" altLang="en-US" sz="6000" dirty="0"/>
+              <a:t> </a:t>
+            </a:r>
+            <a:r>
+              <a:rPr lang="en-US" altLang="zh-TW" sz="6000" dirty="0" err="1"/>
+              <a:t>ans</a:t>
+            </a:r>
+            <a:endParaRPr lang="zh-TW" altLang="en-US" sz="6000" dirty="0"/>
+          </a:p>
+        </p:txBody>
+      </p:sp>
+      <p:sp>
+        <p:nvSpPr>
+          <p:cNvPr id="5" name="內容版面配置區 4">
+            <a:extLst>
+              <a:ext uri="{FF2B5EF4-FFF2-40B4-BE49-F238E27FC236}">
+                <a16:creationId xmlns:a16="http://schemas.microsoft.com/office/drawing/2014/main" id="{A431B4DC-7FF3-4C42-928F-8F2FAA26F988}"/>
+              </a:ext>
+            </a:extLst>
+          </p:cNvPr>
+          <p:cNvSpPr>
+            <a:spLocks noGrp="1"/>
+          </p:cNvSpPr>
+          <p:nvPr>
+            <p:ph idx="1"/>
+          </p:nvPr>
+        </p:nvSpPr>
+        <p:spPr>
+          <a:xfrm>
+            <a:off x="443365" y="1825625"/>
+            <a:ext cx="11214100" cy="4351338"/>
+          </a:xfrm>
+        </p:spPr>
+        <p:txBody>
+          <a:bodyPr>
+            <a:normAutofit/>
+          </a:bodyPr>
+          <a:lstStyle/>
+          <a:p>
+            <a:pPr marL="0" indent="0">
+              <a:buNone/>
+            </a:pPr>
+            <a:endParaRPr lang="en-US" altLang="zh-TW" dirty="0">
+              <a:latin typeface="思源黑體 TW Medium" panose="020B0600000000000000"/>
+              <a:ea typeface="思源黑體 TW Medium" panose="020B0600000000000000"/>
+              <a:cs typeface="思源黑體 TW Medium" panose="020B0600000000000000"/>
+            </a:endParaRPr>
+          </a:p>
+        </p:txBody>
+      </p:sp>
+      <p:grpSp>
+        <p:nvGrpSpPr>
+          <p:cNvPr id="6" name="群組 5">
+            <a:extLst>
+              <a:ext uri="{FF2B5EF4-FFF2-40B4-BE49-F238E27FC236}">
+                <a16:creationId xmlns:a16="http://schemas.microsoft.com/office/drawing/2014/main" id="{1DB03A09-EFA9-446E-B14E-714605BE7F02}"/>
+              </a:ext>
+            </a:extLst>
+          </p:cNvPr>
+          <p:cNvGrpSpPr/>
+          <p:nvPr/>
+        </p:nvGrpSpPr>
+        <p:grpSpPr>
+          <a:xfrm>
+            <a:off x="0" y="6176963"/>
+            <a:ext cx="12192000" cy="703140"/>
+            <a:chOff x="0" y="6192732"/>
+            <a:chExt cx="12192000" cy="703140"/>
+          </a:xfrm>
+        </p:grpSpPr>
+        <p:sp>
+          <p:nvSpPr>
+            <p:cNvPr id="7" name="矩形 6">
+              <a:extLst>
+                <a:ext uri="{FF2B5EF4-FFF2-40B4-BE49-F238E27FC236}">
+                  <a16:creationId xmlns:a16="http://schemas.microsoft.com/office/drawing/2014/main" id="{30DA9C63-756D-4B37-9F80-D982634B6A42}"/>
+                </a:ext>
+              </a:extLst>
+            </p:cNvPr>
+            <p:cNvSpPr/>
+            <p:nvPr/>
+          </p:nvSpPr>
+          <p:spPr>
+            <a:xfrm>
+              <a:off x="0" y="6212114"/>
+              <a:ext cx="12192000" cy="683758"/>
+            </a:xfrm>
+            <a:prstGeom prst="rect">
+              <a:avLst/>
+            </a:prstGeom>
+            <a:solidFill>
+              <a:srgbClr val="0065A4"/>
+            </a:solidFill>
+            <a:ln>
+              <a:noFill/>
+            </a:ln>
+          </p:spPr>
+          <p:style>
+            <a:lnRef idx="2">
+              <a:schemeClr val="accent5">
+                <a:shade val="50000"/>
+              </a:schemeClr>
+            </a:lnRef>
+            <a:fillRef idx="1">
+              <a:schemeClr val="accent5"/>
+            </a:fillRef>
+            <a:effectRef idx="0">
+              <a:schemeClr val="accent5"/>
+            </a:effectRef>
+            <a:fontRef idx="minor">
+              <a:schemeClr val="lt1"/>
+            </a:fontRef>
+          </p:style>
+          <p:txBody>
+            <a:bodyPr rtlCol="0" anchor="ctr"/>
+            <a:lstStyle/>
+            <a:p>
+              <a:pPr algn="ctr"/>
+              <a:endParaRPr lang="zh-TW" altLang="en-US" dirty="0">
+                <a:highlight>
+                  <a:srgbClr val="00FFFF"/>
+                </a:highlight>
+              </a:endParaRPr>
+            </a:p>
+          </p:txBody>
+        </p:sp>
+        <p:sp>
+          <p:nvSpPr>
+            <p:cNvPr id="8" name="文字方塊 7">
+              <a:extLst>
+                <a:ext uri="{FF2B5EF4-FFF2-40B4-BE49-F238E27FC236}">
+                  <a16:creationId xmlns:a16="http://schemas.microsoft.com/office/drawing/2014/main" id="{A617ED4E-876A-4C6A-B2FD-ABFA65439411}"/>
+                </a:ext>
+              </a:extLst>
+            </p:cNvPr>
+            <p:cNvSpPr txBox="1"/>
+            <p:nvPr/>
+          </p:nvSpPr>
+          <p:spPr>
+            <a:xfrm flipH="1">
+              <a:off x="3186974" y="6211669"/>
+              <a:ext cx="5818052" cy="646331"/>
+            </a:xfrm>
+            <a:prstGeom prst="rect">
+              <a:avLst/>
+            </a:prstGeom>
+            <a:noFill/>
+          </p:spPr>
+          <p:txBody>
+            <a:bodyPr wrap="square" rtlCol="0">
+              <a:spAutoFit/>
+            </a:bodyPr>
+            <a:lstStyle/>
+            <a:p>
+              <a:pPr algn="dist"/>
+              <a:r>
+                <a:rPr lang="zh-TW" altLang="en-US" sz="3600" dirty="0">
+                  <a:solidFill>
+                    <a:schemeClr val="bg1"/>
+                  </a:solidFill>
+                  <a:latin typeface="標楷體" panose="03000509000000000000" pitchFamily="65" charset="-120"/>
+                  <a:ea typeface="標楷體" panose="03000509000000000000" pitchFamily="65" charset="-120"/>
+                </a:rPr>
+                <a:t>電機事務所</a:t>
+              </a:r>
+            </a:p>
+          </p:txBody>
+        </p:sp>
+        <p:pic>
+          <p:nvPicPr>
+            <p:cNvPr id="9" name="圖片 8">
+              <a:extLst>
+                <a:ext uri="{FF2B5EF4-FFF2-40B4-BE49-F238E27FC236}">
+                  <a16:creationId xmlns:a16="http://schemas.microsoft.com/office/drawing/2014/main" id="{20FE69CC-E546-459D-9C4E-D47BE26B4B2E}"/>
+                </a:ext>
+              </a:extLst>
+            </p:cNvPr>
+            <p:cNvPicPr>
+              <a:picLocks noChangeAspect="1"/>
+            </p:cNvPicPr>
+            <p:nvPr/>
+          </p:nvPicPr>
+          <p:blipFill>
+            <a:blip r:embed="rId2">
+              <a:extLst>
+                <a:ext uri="{28A0092B-C50C-407E-A947-70E740481C1C}">
+                  <a14:useLocalDpi xmlns:a14="http://schemas.microsoft.com/office/drawing/2010/main" val="0"/>
+                </a:ext>
+              </a:extLst>
+            </a:blip>
+            <a:stretch>
+              <a:fillRect/>
+            </a:stretch>
+          </p:blipFill>
+          <p:spPr>
+            <a:xfrm>
+              <a:off x="10330269" y="6244819"/>
+              <a:ext cx="580027" cy="580027"/>
+            </a:xfrm>
+            <a:prstGeom prst="rect">
+              <a:avLst/>
+            </a:prstGeom>
+          </p:spPr>
+        </p:pic>
+        <p:pic>
+          <p:nvPicPr>
+            <p:cNvPr id="10" name="圖片 9">
+              <a:extLst>
+                <a:ext uri="{FF2B5EF4-FFF2-40B4-BE49-F238E27FC236}">
+                  <a16:creationId xmlns:a16="http://schemas.microsoft.com/office/drawing/2014/main" id="{05D3740C-3C2F-49BC-B8F4-176998CD17A5}"/>
+                </a:ext>
+              </a:extLst>
+            </p:cNvPr>
+            <p:cNvPicPr>
+              <a:picLocks noChangeAspect="1"/>
+            </p:cNvPicPr>
+            <p:nvPr/>
+          </p:nvPicPr>
+          <p:blipFill>
+            <a:blip r:embed="rId3">
+              <a:extLst>
+                <a:ext uri="{28A0092B-C50C-407E-A947-70E740481C1C}">
+                  <a14:useLocalDpi xmlns:a14="http://schemas.microsoft.com/office/drawing/2010/main" val="0"/>
+                </a:ext>
+              </a:extLst>
+            </a:blip>
+            <a:stretch>
+              <a:fillRect/>
+            </a:stretch>
+          </p:blipFill>
+          <p:spPr>
+            <a:xfrm>
+              <a:off x="1343227" y="6192732"/>
+              <a:ext cx="684203" cy="684203"/>
+            </a:xfrm>
+            <a:prstGeom prst="rect">
+              <a:avLst/>
+            </a:prstGeom>
+          </p:spPr>
+        </p:pic>
+      </p:grpSp>
+      <p:pic>
+        <p:nvPicPr>
+          <p:cNvPr id="13" name="圖片 12">
+            <a:extLst>
+              <a:ext uri="{FF2B5EF4-FFF2-40B4-BE49-F238E27FC236}">
+                <a16:creationId xmlns:a16="http://schemas.microsoft.com/office/drawing/2014/main" id="{8446BFFE-C36E-4D11-8A68-75E2F4BBFD78}"/>
+              </a:ext>
+            </a:extLst>
+          </p:cNvPr>
+          <p:cNvPicPr>
+            <a:picLocks noChangeAspect="1"/>
+          </p:cNvPicPr>
+          <p:nvPr/>
+        </p:nvPicPr>
+        <p:blipFill>
+          <a:blip r:embed="rId4"/>
+          <a:stretch>
+            <a:fillRect/>
+          </a:stretch>
+        </p:blipFill>
+        <p:spPr>
+          <a:xfrm>
+            <a:off x="2256290" y="1825625"/>
+            <a:ext cx="7588249" cy="5016606"/>
+          </a:xfrm>
+          <a:prstGeom prst="rect">
+            <a:avLst/>
+          </a:prstGeom>
+        </p:spPr>
+      </p:pic>
+    </p:spTree>
+    <p:extLst>
+      <p:ext uri="{BB962C8B-B14F-4D97-AF65-F5344CB8AC3E}">
+        <p14:creationId xmlns:p14="http://schemas.microsoft.com/office/powerpoint/2010/main" val="69058303"/>
+      </p:ext>
+    </p:extLst>
+  </p:cSld>
+  <p:clrMapOvr>
+    <a:masterClrMapping/>
+  </p:clrMapOvr>
+</p:sld>
+</file>
+
+<file path=ppt/slides/slide27.xml><?xml version="1.0" encoding="utf-8"?>
+<p:sld xmlns:a="http://schemas.openxmlformats.org/drawingml/2006/main" xmlns:r="http://schemas.openxmlformats.org/officeDocument/2006/relationships" xmlns:p="http://schemas.openxmlformats.org/presentationml/2006/main">
+  <p:cSld>
+    <p:spTree>
+      <p:nvGrpSpPr>
+        <p:cNvPr id="1" name=""/>
+        <p:cNvGrpSpPr/>
+        <p:nvPr/>
+      </p:nvGrpSpPr>
+      <p:grpSpPr>
+        <a:xfrm>
+          <a:off x="0" y="0"/>
+          <a:ext cx="0" cy="0"/>
+          <a:chOff x="0" y="0"/>
+          <a:chExt cx="0" cy="0"/>
+        </a:xfrm>
+      </p:grpSpPr>
+      <p:sp>
+        <p:nvSpPr>
+          <p:cNvPr id="4" name="標題 3">
+            <a:extLst>
+              <a:ext uri="{FF2B5EF4-FFF2-40B4-BE49-F238E27FC236}">
+                <a16:creationId xmlns:a16="http://schemas.microsoft.com/office/drawing/2014/main" id="{3C618BD0-7357-4F85-A56C-747DCD526A29}"/>
+              </a:ext>
+            </a:extLst>
+          </p:cNvPr>
+          <p:cNvSpPr>
+            <a:spLocks noGrp="1"/>
+          </p:cNvSpPr>
+          <p:nvPr>
+            <p:ph type="title"/>
+          </p:nvPr>
+        </p:nvSpPr>
+        <p:spPr>
+          <a:xfrm>
+            <a:off x="444500" y="542925"/>
+            <a:ext cx="11214100" cy="923330"/>
+          </a:xfrm>
+        </p:spPr>
+        <p:txBody>
+          <a:bodyPr/>
+          <a:lstStyle/>
+          <a:p>
+            <a:r>
+              <a:rPr lang="en-US" altLang="zh-TW" sz="6000" dirty="0"/>
+              <a:t>Practice2 – ans2</a:t>
+            </a:r>
+            <a:endParaRPr lang="zh-TW" altLang="en-US" sz="6000" dirty="0"/>
+          </a:p>
+        </p:txBody>
+      </p:sp>
+      <p:grpSp>
+        <p:nvGrpSpPr>
+          <p:cNvPr id="6" name="群組 5">
+            <a:extLst>
+              <a:ext uri="{FF2B5EF4-FFF2-40B4-BE49-F238E27FC236}">
+                <a16:creationId xmlns:a16="http://schemas.microsoft.com/office/drawing/2014/main" id="{1DB03A09-EFA9-446E-B14E-714605BE7F02}"/>
+              </a:ext>
+            </a:extLst>
+          </p:cNvPr>
+          <p:cNvGrpSpPr/>
+          <p:nvPr/>
+        </p:nvGrpSpPr>
+        <p:grpSpPr>
+          <a:xfrm>
+            <a:off x="0" y="6176963"/>
+            <a:ext cx="12192000" cy="703140"/>
+            <a:chOff x="0" y="6192732"/>
+            <a:chExt cx="12192000" cy="703140"/>
+          </a:xfrm>
+        </p:grpSpPr>
+        <p:sp>
+          <p:nvSpPr>
+            <p:cNvPr id="7" name="矩形 6">
+              <a:extLst>
+                <a:ext uri="{FF2B5EF4-FFF2-40B4-BE49-F238E27FC236}">
+                  <a16:creationId xmlns:a16="http://schemas.microsoft.com/office/drawing/2014/main" id="{30DA9C63-756D-4B37-9F80-D982634B6A42}"/>
+                </a:ext>
+              </a:extLst>
+            </p:cNvPr>
+            <p:cNvSpPr/>
+            <p:nvPr/>
+          </p:nvSpPr>
+          <p:spPr>
+            <a:xfrm>
+              <a:off x="0" y="6212114"/>
+              <a:ext cx="12192000" cy="683758"/>
+            </a:xfrm>
+            <a:prstGeom prst="rect">
+              <a:avLst/>
+            </a:prstGeom>
+            <a:solidFill>
+              <a:srgbClr val="0065A4"/>
+            </a:solidFill>
+            <a:ln>
+              <a:noFill/>
+            </a:ln>
+          </p:spPr>
+          <p:style>
+            <a:lnRef idx="2">
+              <a:schemeClr val="accent5">
+                <a:shade val="50000"/>
+              </a:schemeClr>
+            </a:lnRef>
+            <a:fillRef idx="1">
+              <a:schemeClr val="accent5"/>
+            </a:fillRef>
+            <a:effectRef idx="0">
+              <a:schemeClr val="accent5"/>
+            </a:effectRef>
+            <a:fontRef idx="minor">
+              <a:schemeClr val="lt1"/>
+            </a:fontRef>
+          </p:style>
+          <p:txBody>
+            <a:bodyPr rtlCol="0" anchor="ctr"/>
+            <a:lstStyle/>
+            <a:p>
+              <a:pPr algn="ctr"/>
+              <a:endParaRPr lang="zh-TW" altLang="en-US" dirty="0">
+                <a:highlight>
+                  <a:srgbClr val="00FFFF"/>
+                </a:highlight>
+              </a:endParaRPr>
+            </a:p>
+          </p:txBody>
+        </p:sp>
+        <p:sp>
+          <p:nvSpPr>
+            <p:cNvPr id="8" name="文字方塊 7">
+              <a:extLst>
+                <a:ext uri="{FF2B5EF4-FFF2-40B4-BE49-F238E27FC236}">
+                  <a16:creationId xmlns:a16="http://schemas.microsoft.com/office/drawing/2014/main" id="{A617ED4E-876A-4C6A-B2FD-ABFA65439411}"/>
+                </a:ext>
+              </a:extLst>
+            </p:cNvPr>
+            <p:cNvSpPr txBox="1"/>
+            <p:nvPr/>
+          </p:nvSpPr>
+          <p:spPr>
+            <a:xfrm flipH="1">
+              <a:off x="3186974" y="6211669"/>
+              <a:ext cx="5818052" cy="646331"/>
+            </a:xfrm>
+            <a:prstGeom prst="rect">
+              <a:avLst/>
+            </a:prstGeom>
+            <a:noFill/>
+          </p:spPr>
+          <p:txBody>
+            <a:bodyPr wrap="square" rtlCol="0">
+              <a:spAutoFit/>
+            </a:bodyPr>
+            <a:lstStyle/>
+            <a:p>
+              <a:pPr algn="dist"/>
+              <a:r>
+                <a:rPr lang="zh-TW" altLang="en-US" sz="3600" dirty="0">
+                  <a:solidFill>
+                    <a:schemeClr val="bg1"/>
+                  </a:solidFill>
+                  <a:latin typeface="標楷體" panose="03000509000000000000" pitchFamily="65" charset="-120"/>
+                  <a:ea typeface="標楷體" panose="03000509000000000000" pitchFamily="65" charset="-120"/>
+                </a:rPr>
+                <a:t>電機事務所</a:t>
+              </a:r>
+            </a:p>
+          </p:txBody>
+        </p:sp>
+        <p:pic>
+          <p:nvPicPr>
+            <p:cNvPr id="9" name="圖片 8">
+              <a:extLst>
+                <a:ext uri="{FF2B5EF4-FFF2-40B4-BE49-F238E27FC236}">
+                  <a16:creationId xmlns:a16="http://schemas.microsoft.com/office/drawing/2014/main" id="{20FE69CC-E546-459D-9C4E-D47BE26B4B2E}"/>
+                </a:ext>
+              </a:extLst>
+            </p:cNvPr>
+            <p:cNvPicPr>
+              <a:picLocks noChangeAspect="1"/>
+            </p:cNvPicPr>
+            <p:nvPr/>
+          </p:nvPicPr>
+          <p:blipFill>
+            <a:blip r:embed="rId2">
+              <a:extLst>
+                <a:ext uri="{28A0092B-C50C-407E-A947-70E740481C1C}">
+                  <a14:useLocalDpi xmlns:a14="http://schemas.microsoft.com/office/drawing/2010/main" val="0"/>
+                </a:ext>
+              </a:extLst>
+            </a:blip>
+            <a:stretch>
+              <a:fillRect/>
+            </a:stretch>
+          </p:blipFill>
+          <p:spPr>
+            <a:xfrm>
+              <a:off x="10330269" y="6244819"/>
+              <a:ext cx="580027" cy="580027"/>
+            </a:xfrm>
+            <a:prstGeom prst="rect">
+              <a:avLst/>
+            </a:prstGeom>
+          </p:spPr>
+        </p:pic>
+        <p:pic>
+          <p:nvPicPr>
+            <p:cNvPr id="10" name="圖片 9">
+              <a:extLst>
+                <a:ext uri="{FF2B5EF4-FFF2-40B4-BE49-F238E27FC236}">
+                  <a16:creationId xmlns:a16="http://schemas.microsoft.com/office/drawing/2014/main" id="{05D3740C-3C2F-49BC-B8F4-176998CD17A5}"/>
+                </a:ext>
+              </a:extLst>
+            </p:cNvPr>
+            <p:cNvPicPr>
+              <a:picLocks noChangeAspect="1"/>
+            </p:cNvPicPr>
+            <p:nvPr/>
+          </p:nvPicPr>
+          <p:blipFill>
+            <a:blip r:embed="rId3">
+              <a:extLst>
+                <a:ext uri="{28A0092B-C50C-407E-A947-70E740481C1C}">
+                  <a14:useLocalDpi xmlns:a14="http://schemas.microsoft.com/office/drawing/2010/main" val="0"/>
+                </a:ext>
+              </a:extLst>
+            </a:blip>
+            <a:stretch>
+              <a:fillRect/>
+            </a:stretch>
+          </p:blipFill>
+          <p:spPr>
+            <a:xfrm>
+              <a:off x="1343227" y="6192732"/>
+              <a:ext cx="684203" cy="684203"/>
+            </a:xfrm>
+            <a:prstGeom prst="rect">
+              <a:avLst/>
+            </a:prstGeom>
+          </p:spPr>
+        </p:pic>
+      </p:grpSp>
+      <p:pic>
+        <p:nvPicPr>
+          <p:cNvPr id="3" name="圖片 2">
+            <a:extLst>
+              <a:ext uri="{FF2B5EF4-FFF2-40B4-BE49-F238E27FC236}">
+                <a16:creationId xmlns:a16="http://schemas.microsoft.com/office/drawing/2014/main" id="{43A3EA6B-83CE-4FEF-BB81-0CF83B2FB930}"/>
+              </a:ext>
+            </a:extLst>
+          </p:cNvPr>
+          <p:cNvPicPr>
+            <a:picLocks noChangeAspect="1"/>
+          </p:cNvPicPr>
+          <p:nvPr/>
+        </p:nvPicPr>
+        <p:blipFill>
+          <a:blip r:embed="rId4"/>
+          <a:stretch>
+            <a:fillRect/>
+          </a:stretch>
+        </p:blipFill>
+        <p:spPr>
+          <a:xfrm>
+            <a:off x="3186974" y="1394669"/>
+            <a:ext cx="5818051" cy="5447562"/>
+          </a:xfrm>
+          <a:prstGeom prst="rect">
+            <a:avLst/>
+          </a:prstGeom>
+        </p:spPr>
+      </p:pic>
+    </p:spTree>
+    <p:extLst>
+      <p:ext uri="{BB962C8B-B14F-4D97-AF65-F5344CB8AC3E}">
+        <p14:creationId xmlns:p14="http://schemas.microsoft.com/office/powerpoint/2010/main" val="1444573912"/>
+      </p:ext>
+    </p:extLst>
+  </p:cSld>
+  <p:clrMapOvr>
+    <a:masterClrMapping/>
+  </p:clrMapOvr>
+</p:sld>
+</file>
+
+<file path=ppt/slides/slide28.xml><?xml version="1.0" encoding="utf-8"?>
 <p:sld xmlns:a="http://schemas.openxmlformats.org/drawingml/2006/main" xmlns:r="http://schemas.openxmlformats.org/officeDocument/2006/relationships" xmlns:p="http://schemas.openxmlformats.org/presentationml/2006/main">
   <p:cSld>
     <p:spTree>
@@ -34636,7 +35854,1217 @@
 </p:sld>
 </file>
 
-<file path=ppt/slides/slide25.xml><?xml version="1.0" encoding="utf-8"?>
+<file path=ppt/slides/slide29.xml><?xml version="1.0" encoding="utf-8"?>
+<p:sld xmlns:a="http://schemas.openxmlformats.org/drawingml/2006/main" xmlns:r="http://schemas.openxmlformats.org/officeDocument/2006/relationships" xmlns:p="http://schemas.openxmlformats.org/presentationml/2006/main">
+  <p:cSld>
+    <p:spTree>
+      <p:nvGrpSpPr>
+        <p:cNvPr id="1" name=""/>
+        <p:cNvGrpSpPr/>
+        <p:nvPr/>
+      </p:nvGrpSpPr>
+      <p:grpSpPr>
+        <a:xfrm>
+          <a:off x="0" y="0"/>
+          <a:ext cx="0" cy="0"/>
+          <a:chOff x="0" y="0"/>
+          <a:chExt cx="0" cy="0"/>
+        </a:xfrm>
+      </p:grpSpPr>
+      <p:sp>
+        <p:nvSpPr>
+          <p:cNvPr id="4" name="標題 3">
+            <a:extLst>
+              <a:ext uri="{FF2B5EF4-FFF2-40B4-BE49-F238E27FC236}">
+                <a16:creationId xmlns:a16="http://schemas.microsoft.com/office/drawing/2014/main" id="{3C618BD0-7357-4F85-A56C-747DCD526A29}"/>
+              </a:ext>
+            </a:extLst>
+          </p:cNvPr>
+          <p:cNvSpPr>
+            <a:spLocks noGrp="1"/>
+          </p:cNvSpPr>
+          <p:nvPr>
+            <p:ph type="title"/>
+          </p:nvPr>
+        </p:nvSpPr>
+        <p:spPr>
+          <a:xfrm>
+            <a:off x="444500" y="542925"/>
+            <a:ext cx="11214100" cy="923330"/>
+          </a:xfrm>
+        </p:spPr>
+        <p:txBody>
+          <a:bodyPr/>
+          <a:lstStyle/>
+          <a:p>
+            <a:r>
+              <a:rPr lang="en-US" altLang="zh-TW" sz="6000" dirty="0"/>
+              <a:t>Practice3 - </a:t>
+            </a:r>
+            <a:r>
+              <a:rPr lang="en-US" altLang="zh-TW" sz="6000" dirty="0" err="1"/>
+              <a:t>ans</a:t>
+            </a:r>
+            <a:endParaRPr lang="zh-TW" altLang="en-US" sz="6000" dirty="0"/>
+          </a:p>
+        </p:txBody>
+      </p:sp>
+      <p:sp>
+        <p:nvSpPr>
+          <p:cNvPr id="5" name="內容版面配置區 4">
+            <a:extLst>
+              <a:ext uri="{FF2B5EF4-FFF2-40B4-BE49-F238E27FC236}">
+                <a16:creationId xmlns:a16="http://schemas.microsoft.com/office/drawing/2014/main" id="{A431B4DC-7FF3-4C42-928F-8F2FAA26F988}"/>
+              </a:ext>
+            </a:extLst>
+          </p:cNvPr>
+          <p:cNvSpPr>
+            <a:spLocks noGrp="1"/>
+          </p:cNvSpPr>
+          <p:nvPr>
+            <p:ph idx="1"/>
+          </p:nvPr>
+        </p:nvSpPr>
+        <p:spPr>
+          <a:xfrm>
+            <a:off x="443365" y="1825625"/>
+            <a:ext cx="11214100" cy="4351338"/>
+          </a:xfrm>
+        </p:spPr>
+        <p:txBody>
+          <a:bodyPr>
+            <a:normAutofit/>
+          </a:bodyPr>
+          <a:lstStyle/>
+          <a:p>
+            <a:pPr marL="0" indent="0">
+              <a:buNone/>
+            </a:pPr>
+            <a:endParaRPr lang="zh-TW" altLang="en-US" dirty="0">
+              <a:latin typeface="思源黑體 TW Medium" panose="020B0600000000000000"/>
+              <a:ea typeface="思源黑體 TW Medium" panose="020B0600000000000000"/>
+              <a:cs typeface="思源黑體 TW Medium" panose="020B0600000000000000"/>
+            </a:endParaRPr>
+          </a:p>
+        </p:txBody>
+      </p:sp>
+      <p:grpSp>
+        <p:nvGrpSpPr>
+          <p:cNvPr id="6" name="群組 5">
+            <a:extLst>
+              <a:ext uri="{FF2B5EF4-FFF2-40B4-BE49-F238E27FC236}">
+                <a16:creationId xmlns:a16="http://schemas.microsoft.com/office/drawing/2014/main" id="{1DB03A09-EFA9-446E-B14E-714605BE7F02}"/>
+              </a:ext>
+            </a:extLst>
+          </p:cNvPr>
+          <p:cNvGrpSpPr/>
+          <p:nvPr/>
+        </p:nvGrpSpPr>
+        <p:grpSpPr>
+          <a:xfrm>
+            <a:off x="0" y="6176963"/>
+            <a:ext cx="12192000" cy="703140"/>
+            <a:chOff x="0" y="6192732"/>
+            <a:chExt cx="12192000" cy="703140"/>
+          </a:xfrm>
+        </p:grpSpPr>
+        <p:sp>
+          <p:nvSpPr>
+            <p:cNvPr id="7" name="矩形 6">
+              <a:extLst>
+                <a:ext uri="{FF2B5EF4-FFF2-40B4-BE49-F238E27FC236}">
+                  <a16:creationId xmlns:a16="http://schemas.microsoft.com/office/drawing/2014/main" id="{30DA9C63-756D-4B37-9F80-D982634B6A42}"/>
+                </a:ext>
+              </a:extLst>
+            </p:cNvPr>
+            <p:cNvSpPr/>
+            <p:nvPr/>
+          </p:nvSpPr>
+          <p:spPr>
+            <a:xfrm>
+              <a:off x="0" y="6212114"/>
+              <a:ext cx="12192000" cy="683758"/>
+            </a:xfrm>
+            <a:prstGeom prst="rect">
+              <a:avLst/>
+            </a:prstGeom>
+            <a:solidFill>
+              <a:srgbClr val="0065A4"/>
+            </a:solidFill>
+            <a:ln>
+              <a:noFill/>
+            </a:ln>
+          </p:spPr>
+          <p:style>
+            <a:lnRef idx="2">
+              <a:schemeClr val="accent5">
+                <a:shade val="50000"/>
+              </a:schemeClr>
+            </a:lnRef>
+            <a:fillRef idx="1">
+              <a:schemeClr val="accent5"/>
+            </a:fillRef>
+            <a:effectRef idx="0">
+              <a:schemeClr val="accent5"/>
+            </a:effectRef>
+            <a:fontRef idx="minor">
+              <a:schemeClr val="lt1"/>
+            </a:fontRef>
+          </p:style>
+          <p:txBody>
+            <a:bodyPr rtlCol="0" anchor="ctr"/>
+            <a:lstStyle/>
+            <a:p>
+              <a:pPr algn="ctr"/>
+              <a:endParaRPr lang="zh-TW" altLang="en-US" dirty="0">
+                <a:highlight>
+                  <a:srgbClr val="00FFFF"/>
+                </a:highlight>
+              </a:endParaRPr>
+            </a:p>
+          </p:txBody>
+        </p:sp>
+        <p:sp>
+          <p:nvSpPr>
+            <p:cNvPr id="8" name="文字方塊 7">
+              <a:extLst>
+                <a:ext uri="{FF2B5EF4-FFF2-40B4-BE49-F238E27FC236}">
+                  <a16:creationId xmlns:a16="http://schemas.microsoft.com/office/drawing/2014/main" id="{A617ED4E-876A-4C6A-B2FD-ABFA65439411}"/>
+                </a:ext>
+              </a:extLst>
+            </p:cNvPr>
+            <p:cNvSpPr txBox="1"/>
+            <p:nvPr/>
+          </p:nvSpPr>
+          <p:spPr>
+            <a:xfrm flipH="1">
+              <a:off x="3186974" y="6211669"/>
+              <a:ext cx="5818052" cy="646331"/>
+            </a:xfrm>
+            <a:prstGeom prst="rect">
+              <a:avLst/>
+            </a:prstGeom>
+            <a:noFill/>
+          </p:spPr>
+          <p:txBody>
+            <a:bodyPr wrap="square" rtlCol="0">
+              <a:spAutoFit/>
+            </a:bodyPr>
+            <a:lstStyle/>
+            <a:p>
+              <a:pPr algn="dist"/>
+              <a:r>
+                <a:rPr lang="zh-TW" altLang="en-US" sz="3600" dirty="0">
+                  <a:solidFill>
+                    <a:schemeClr val="bg1"/>
+                  </a:solidFill>
+                  <a:latin typeface="標楷體" panose="03000509000000000000" pitchFamily="65" charset="-120"/>
+                  <a:ea typeface="標楷體" panose="03000509000000000000" pitchFamily="65" charset="-120"/>
+                </a:rPr>
+                <a:t>電機事務所</a:t>
+              </a:r>
+            </a:p>
+          </p:txBody>
+        </p:sp>
+        <p:pic>
+          <p:nvPicPr>
+            <p:cNvPr id="9" name="圖片 8">
+              <a:extLst>
+                <a:ext uri="{FF2B5EF4-FFF2-40B4-BE49-F238E27FC236}">
+                  <a16:creationId xmlns:a16="http://schemas.microsoft.com/office/drawing/2014/main" id="{20FE69CC-E546-459D-9C4E-D47BE26B4B2E}"/>
+                </a:ext>
+              </a:extLst>
+            </p:cNvPr>
+            <p:cNvPicPr>
+              <a:picLocks noChangeAspect="1"/>
+            </p:cNvPicPr>
+            <p:nvPr/>
+          </p:nvPicPr>
+          <p:blipFill>
+            <a:blip r:embed="rId2">
+              <a:extLst>
+                <a:ext uri="{28A0092B-C50C-407E-A947-70E740481C1C}">
+                  <a14:useLocalDpi xmlns:a14="http://schemas.microsoft.com/office/drawing/2010/main" val="0"/>
+                </a:ext>
+              </a:extLst>
+            </a:blip>
+            <a:stretch>
+              <a:fillRect/>
+            </a:stretch>
+          </p:blipFill>
+          <p:spPr>
+            <a:xfrm>
+              <a:off x="10330269" y="6244819"/>
+              <a:ext cx="580027" cy="580027"/>
+            </a:xfrm>
+            <a:prstGeom prst="rect">
+              <a:avLst/>
+            </a:prstGeom>
+          </p:spPr>
+        </p:pic>
+        <p:pic>
+          <p:nvPicPr>
+            <p:cNvPr id="10" name="圖片 9">
+              <a:extLst>
+                <a:ext uri="{FF2B5EF4-FFF2-40B4-BE49-F238E27FC236}">
+                  <a16:creationId xmlns:a16="http://schemas.microsoft.com/office/drawing/2014/main" id="{05D3740C-3C2F-49BC-B8F4-176998CD17A5}"/>
+                </a:ext>
+              </a:extLst>
+            </p:cNvPr>
+            <p:cNvPicPr>
+              <a:picLocks noChangeAspect="1"/>
+            </p:cNvPicPr>
+            <p:nvPr/>
+          </p:nvPicPr>
+          <p:blipFill>
+            <a:blip r:embed="rId3">
+              <a:extLst>
+                <a:ext uri="{28A0092B-C50C-407E-A947-70E740481C1C}">
+                  <a14:useLocalDpi xmlns:a14="http://schemas.microsoft.com/office/drawing/2010/main" val="0"/>
+                </a:ext>
+              </a:extLst>
+            </a:blip>
+            <a:stretch>
+              <a:fillRect/>
+            </a:stretch>
+          </p:blipFill>
+          <p:spPr>
+            <a:xfrm>
+              <a:off x="1343227" y="6192732"/>
+              <a:ext cx="684203" cy="684203"/>
+            </a:xfrm>
+            <a:prstGeom prst="rect">
+              <a:avLst/>
+            </a:prstGeom>
+          </p:spPr>
+        </p:pic>
+      </p:grpSp>
+      <p:pic>
+        <p:nvPicPr>
+          <p:cNvPr id="12" name="圖片 11">
+            <a:extLst>
+              <a:ext uri="{FF2B5EF4-FFF2-40B4-BE49-F238E27FC236}">
+                <a16:creationId xmlns:a16="http://schemas.microsoft.com/office/drawing/2014/main" id="{8101F4E7-2774-4F54-8923-F37812AD12AA}"/>
+              </a:ext>
+            </a:extLst>
+          </p:cNvPr>
+          <p:cNvPicPr>
+            <a:picLocks noChangeAspect="1"/>
+          </p:cNvPicPr>
+          <p:nvPr/>
+        </p:nvPicPr>
+        <p:blipFill rotWithShape="1">
+          <a:blip r:embed="rId4"/>
+          <a:srcRect b="7610"/>
+          <a:stretch/>
+        </p:blipFill>
+        <p:spPr>
+          <a:xfrm>
+            <a:off x="2284959" y="1776702"/>
+            <a:ext cx="7622082" cy="5032375"/>
+          </a:xfrm>
+          <a:prstGeom prst="rect">
+            <a:avLst/>
+          </a:prstGeom>
+        </p:spPr>
+      </p:pic>
+    </p:spTree>
+    <p:extLst>
+      <p:ext uri="{BB962C8B-B14F-4D97-AF65-F5344CB8AC3E}">
+        <p14:creationId xmlns:p14="http://schemas.microsoft.com/office/powerpoint/2010/main" val="2814761160"/>
+      </p:ext>
+    </p:extLst>
+  </p:cSld>
+  <p:clrMapOvr>
+    <a:masterClrMapping/>
+  </p:clrMapOvr>
+</p:sld>
+</file>
+
+<file path=ppt/slides/slide3.xml><?xml version="1.0" encoding="utf-8"?>
+<p:sld xmlns:a="http://schemas.openxmlformats.org/drawingml/2006/main" xmlns:r="http://schemas.openxmlformats.org/officeDocument/2006/relationships" xmlns:p="http://schemas.openxmlformats.org/presentationml/2006/main">
+  <p:cSld>
+    <p:spTree>
+      <p:nvGrpSpPr>
+        <p:cNvPr id="1" name=""/>
+        <p:cNvGrpSpPr/>
+        <p:nvPr/>
+      </p:nvGrpSpPr>
+      <p:grpSpPr>
+        <a:xfrm>
+          <a:off x="0" y="0"/>
+          <a:ext cx="0" cy="0"/>
+          <a:chOff x="0" y="0"/>
+          <a:chExt cx="0" cy="0"/>
+        </a:xfrm>
+      </p:grpSpPr>
+      <p:sp>
+        <p:nvSpPr>
+          <p:cNvPr id="4" name="標題 3">
+            <a:extLst>
+              <a:ext uri="{FF2B5EF4-FFF2-40B4-BE49-F238E27FC236}">
+                <a16:creationId xmlns:a16="http://schemas.microsoft.com/office/drawing/2014/main" id="{3C618BD0-7357-4F85-A56C-747DCD526A29}"/>
+              </a:ext>
+            </a:extLst>
+          </p:cNvPr>
+          <p:cNvSpPr>
+            <a:spLocks noGrp="1"/>
+          </p:cNvSpPr>
+          <p:nvPr>
+            <p:ph type="title"/>
+          </p:nvPr>
+        </p:nvSpPr>
+        <p:spPr>
+          <a:xfrm>
+            <a:off x="444500" y="542925"/>
+            <a:ext cx="11214100" cy="923330"/>
+          </a:xfrm>
+        </p:spPr>
+        <p:txBody>
+          <a:bodyPr/>
+          <a:lstStyle/>
+          <a:p>
+            <a:r>
+              <a:rPr lang="en-US" altLang="zh-TW" sz="6000" dirty="0"/>
+              <a:t>What’s RGB</a:t>
+            </a:r>
+            <a:endParaRPr lang="zh-TW" altLang="en-US" sz="6000" dirty="0"/>
+          </a:p>
+        </p:txBody>
+      </p:sp>
+      <p:sp>
+        <p:nvSpPr>
+          <p:cNvPr id="5" name="內容版面配置區 4">
+            <a:extLst>
+              <a:ext uri="{FF2B5EF4-FFF2-40B4-BE49-F238E27FC236}">
+                <a16:creationId xmlns:a16="http://schemas.microsoft.com/office/drawing/2014/main" id="{A431B4DC-7FF3-4C42-928F-8F2FAA26F988}"/>
+              </a:ext>
+            </a:extLst>
+          </p:cNvPr>
+          <p:cNvSpPr>
+            <a:spLocks noGrp="1"/>
+          </p:cNvSpPr>
+          <p:nvPr>
+            <p:ph idx="1"/>
+          </p:nvPr>
+        </p:nvSpPr>
+        <p:spPr/>
+        <p:txBody>
+          <a:bodyPr>
+            <a:normAutofit/>
+          </a:bodyPr>
+          <a:lstStyle/>
+          <a:p>
+            <a:endParaRPr lang="zh-TW" altLang="en-US" sz="3200" dirty="0">
+              <a:latin typeface="+mj-lt"/>
+            </a:endParaRPr>
+          </a:p>
+        </p:txBody>
+      </p:sp>
+      <p:grpSp>
+        <p:nvGrpSpPr>
+          <p:cNvPr id="6" name="群組 5">
+            <a:extLst>
+              <a:ext uri="{FF2B5EF4-FFF2-40B4-BE49-F238E27FC236}">
+                <a16:creationId xmlns:a16="http://schemas.microsoft.com/office/drawing/2014/main" id="{1DB03A09-EFA9-446E-B14E-714605BE7F02}"/>
+              </a:ext>
+            </a:extLst>
+          </p:cNvPr>
+          <p:cNvGrpSpPr/>
+          <p:nvPr/>
+        </p:nvGrpSpPr>
+        <p:grpSpPr>
+          <a:xfrm>
+            <a:off x="0" y="6176963"/>
+            <a:ext cx="12192000" cy="703140"/>
+            <a:chOff x="0" y="6192732"/>
+            <a:chExt cx="12192000" cy="703140"/>
+          </a:xfrm>
+        </p:grpSpPr>
+        <p:sp>
+          <p:nvSpPr>
+            <p:cNvPr id="7" name="矩形 6">
+              <a:extLst>
+                <a:ext uri="{FF2B5EF4-FFF2-40B4-BE49-F238E27FC236}">
+                  <a16:creationId xmlns:a16="http://schemas.microsoft.com/office/drawing/2014/main" id="{30DA9C63-756D-4B37-9F80-D982634B6A42}"/>
+                </a:ext>
+              </a:extLst>
+            </p:cNvPr>
+            <p:cNvSpPr/>
+            <p:nvPr/>
+          </p:nvSpPr>
+          <p:spPr>
+            <a:xfrm>
+              <a:off x="0" y="6212114"/>
+              <a:ext cx="12192000" cy="683758"/>
+            </a:xfrm>
+            <a:prstGeom prst="rect">
+              <a:avLst/>
+            </a:prstGeom>
+            <a:solidFill>
+              <a:srgbClr val="0065A4"/>
+            </a:solidFill>
+            <a:ln>
+              <a:noFill/>
+            </a:ln>
+          </p:spPr>
+          <p:style>
+            <a:lnRef idx="2">
+              <a:schemeClr val="accent5">
+                <a:shade val="50000"/>
+              </a:schemeClr>
+            </a:lnRef>
+            <a:fillRef idx="1">
+              <a:schemeClr val="accent5"/>
+            </a:fillRef>
+            <a:effectRef idx="0">
+              <a:schemeClr val="accent5"/>
+            </a:effectRef>
+            <a:fontRef idx="minor">
+              <a:schemeClr val="lt1"/>
+            </a:fontRef>
+          </p:style>
+          <p:txBody>
+            <a:bodyPr rtlCol="0" anchor="ctr"/>
+            <a:lstStyle/>
+            <a:p>
+              <a:pPr algn="ctr"/>
+              <a:endParaRPr lang="zh-TW" altLang="en-US" dirty="0">
+                <a:highlight>
+                  <a:srgbClr val="00FFFF"/>
+                </a:highlight>
+              </a:endParaRPr>
+            </a:p>
+          </p:txBody>
+        </p:sp>
+        <p:sp>
+          <p:nvSpPr>
+            <p:cNvPr id="8" name="文字方塊 7">
+              <a:extLst>
+                <a:ext uri="{FF2B5EF4-FFF2-40B4-BE49-F238E27FC236}">
+                  <a16:creationId xmlns:a16="http://schemas.microsoft.com/office/drawing/2014/main" id="{A617ED4E-876A-4C6A-B2FD-ABFA65439411}"/>
+                </a:ext>
+              </a:extLst>
+            </p:cNvPr>
+            <p:cNvSpPr txBox="1"/>
+            <p:nvPr/>
+          </p:nvSpPr>
+          <p:spPr>
+            <a:xfrm flipH="1">
+              <a:off x="3186974" y="6211669"/>
+              <a:ext cx="5818052" cy="646331"/>
+            </a:xfrm>
+            <a:prstGeom prst="rect">
+              <a:avLst/>
+            </a:prstGeom>
+            <a:noFill/>
+          </p:spPr>
+          <p:txBody>
+            <a:bodyPr wrap="square" rtlCol="0">
+              <a:spAutoFit/>
+            </a:bodyPr>
+            <a:lstStyle/>
+            <a:p>
+              <a:pPr algn="dist"/>
+              <a:r>
+                <a:rPr lang="zh-TW" altLang="en-US" sz="3600" dirty="0">
+                  <a:solidFill>
+                    <a:schemeClr val="bg1"/>
+                  </a:solidFill>
+                  <a:latin typeface="標楷體" panose="03000509000000000000" pitchFamily="65" charset="-120"/>
+                  <a:ea typeface="標楷體" panose="03000509000000000000" pitchFamily="65" charset="-120"/>
+                </a:rPr>
+                <a:t>電機事務所</a:t>
+              </a:r>
+            </a:p>
+          </p:txBody>
+        </p:sp>
+        <p:pic>
+          <p:nvPicPr>
+            <p:cNvPr id="9" name="圖片 8">
+              <a:extLst>
+                <a:ext uri="{FF2B5EF4-FFF2-40B4-BE49-F238E27FC236}">
+                  <a16:creationId xmlns:a16="http://schemas.microsoft.com/office/drawing/2014/main" id="{20FE69CC-E546-459D-9C4E-D47BE26B4B2E}"/>
+                </a:ext>
+              </a:extLst>
+            </p:cNvPr>
+            <p:cNvPicPr>
+              <a:picLocks noChangeAspect="1"/>
+            </p:cNvPicPr>
+            <p:nvPr/>
+          </p:nvPicPr>
+          <p:blipFill>
+            <a:blip r:embed="rId3">
+              <a:extLst>
+                <a:ext uri="{28A0092B-C50C-407E-A947-70E740481C1C}">
+                  <a14:useLocalDpi xmlns:a14="http://schemas.microsoft.com/office/drawing/2010/main" val="0"/>
+                </a:ext>
+              </a:extLst>
+            </a:blip>
+            <a:stretch>
+              <a:fillRect/>
+            </a:stretch>
+          </p:blipFill>
+          <p:spPr>
+            <a:xfrm>
+              <a:off x="10330269" y="6244819"/>
+              <a:ext cx="580027" cy="580027"/>
+            </a:xfrm>
+            <a:prstGeom prst="rect">
+              <a:avLst/>
+            </a:prstGeom>
+          </p:spPr>
+        </p:pic>
+        <p:pic>
+          <p:nvPicPr>
+            <p:cNvPr id="10" name="圖片 9">
+              <a:extLst>
+                <a:ext uri="{FF2B5EF4-FFF2-40B4-BE49-F238E27FC236}">
+                  <a16:creationId xmlns:a16="http://schemas.microsoft.com/office/drawing/2014/main" id="{05D3740C-3C2F-49BC-B8F4-176998CD17A5}"/>
+                </a:ext>
+              </a:extLst>
+            </p:cNvPr>
+            <p:cNvPicPr>
+              <a:picLocks noChangeAspect="1"/>
+            </p:cNvPicPr>
+            <p:nvPr/>
+          </p:nvPicPr>
+          <p:blipFill>
+            <a:blip r:embed="rId4">
+              <a:extLst>
+                <a:ext uri="{28A0092B-C50C-407E-A947-70E740481C1C}">
+                  <a14:useLocalDpi xmlns:a14="http://schemas.microsoft.com/office/drawing/2010/main" val="0"/>
+                </a:ext>
+              </a:extLst>
+            </a:blip>
+            <a:stretch>
+              <a:fillRect/>
+            </a:stretch>
+          </p:blipFill>
+          <p:spPr>
+            <a:xfrm>
+              <a:off x="1343227" y="6192732"/>
+              <a:ext cx="684203" cy="684203"/>
+            </a:xfrm>
+            <a:prstGeom prst="rect">
+              <a:avLst/>
+            </a:prstGeom>
+          </p:spPr>
+        </p:pic>
+      </p:grpSp>
+      <p:pic>
+        <p:nvPicPr>
+          <p:cNvPr id="11" name="Picture 2">
+            <a:extLst>
+              <a:ext uri="{FF2B5EF4-FFF2-40B4-BE49-F238E27FC236}">
+                <a16:creationId xmlns:a16="http://schemas.microsoft.com/office/drawing/2014/main" id="{5EB31E0F-E3DB-454F-A2A4-2C4E1A77E57B}"/>
+              </a:ext>
+            </a:extLst>
+          </p:cNvPr>
+          <p:cNvPicPr>
+            <a:picLocks noChangeAspect="1" noChangeArrowheads="1"/>
+          </p:cNvPicPr>
+          <p:nvPr/>
+        </p:nvPicPr>
+        <p:blipFill>
+          <a:blip r:embed="rId5">
+            <a:extLst>
+              <a:ext uri="{28A0092B-C50C-407E-A947-70E740481C1C}">
+                <a14:useLocalDpi xmlns:a14="http://schemas.microsoft.com/office/drawing/2010/main" val="0"/>
+              </a:ext>
+            </a:extLst>
+          </a:blip>
+          <a:srcRect/>
+          <a:stretch>
+            <a:fillRect/>
+          </a:stretch>
+        </p:blipFill>
+        <p:spPr bwMode="auto">
+          <a:xfrm>
+            <a:off x="2969048" y="1466255"/>
+            <a:ext cx="6253904" cy="4641569"/>
+          </a:xfrm>
+          <a:prstGeom prst="rect">
+            <a:avLst/>
+          </a:prstGeom>
+          <a:noFill/>
+          <a:extLst>
+            <a:ext uri="{909E8E84-426E-40DD-AFC4-6F175D3DCCD1}">
+              <a14:hiddenFill xmlns:a14="http://schemas.microsoft.com/office/drawing/2010/main">
+                <a:solidFill>
+                  <a:srgbClr val="FFFFFF"/>
+                </a:solidFill>
+              </a14:hiddenFill>
+            </a:ext>
+          </a:extLst>
+        </p:spPr>
+      </p:pic>
+    </p:spTree>
+    <p:extLst>
+      <p:ext uri="{BB962C8B-B14F-4D97-AF65-F5344CB8AC3E}">
+        <p14:creationId xmlns:p14="http://schemas.microsoft.com/office/powerpoint/2010/main" val="2045673086"/>
+      </p:ext>
+    </p:extLst>
+  </p:cSld>
+  <p:clrMapOvr>
+    <a:masterClrMapping/>
+  </p:clrMapOvr>
+</p:sld>
+</file>
+
+<file path=ppt/slides/slide30.xml><?xml version="1.0" encoding="utf-8"?>
+<p:sld xmlns:a="http://schemas.openxmlformats.org/drawingml/2006/main" xmlns:r="http://schemas.openxmlformats.org/officeDocument/2006/relationships" xmlns:p="http://schemas.openxmlformats.org/presentationml/2006/main">
+  <p:cSld>
+    <p:spTree>
+      <p:nvGrpSpPr>
+        <p:cNvPr id="1" name=""/>
+        <p:cNvGrpSpPr/>
+        <p:nvPr/>
+      </p:nvGrpSpPr>
+      <p:grpSpPr>
+        <a:xfrm>
+          <a:off x="0" y="0"/>
+          <a:ext cx="0" cy="0"/>
+          <a:chOff x="0" y="0"/>
+          <a:chExt cx="0" cy="0"/>
+        </a:xfrm>
+      </p:grpSpPr>
+      <p:sp>
+        <p:nvSpPr>
+          <p:cNvPr id="4" name="標題 3">
+            <a:extLst>
+              <a:ext uri="{FF2B5EF4-FFF2-40B4-BE49-F238E27FC236}">
+                <a16:creationId xmlns:a16="http://schemas.microsoft.com/office/drawing/2014/main" id="{3C618BD0-7357-4F85-A56C-747DCD526A29}"/>
+              </a:ext>
+            </a:extLst>
+          </p:cNvPr>
+          <p:cNvSpPr>
+            <a:spLocks noGrp="1"/>
+          </p:cNvSpPr>
+          <p:nvPr>
+            <p:ph type="title"/>
+          </p:nvPr>
+        </p:nvSpPr>
+        <p:spPr>
+          <a:xfrm>
+            <a:off x="444500" y="542925"/>
+            <a:ext cx="11214100" cy="923330"/>
+          </a:xfrm>
+        </p:spPr>
+        <p:txBody>
+          <a:bodyPr/>
+          <a:lstStyle/>
+          <a:p>
+            <a:r>
+              <a:rPr lang="en-US" altLang="zh-TW" sz="6000" dirty="0"/>
+              <a:t>Practice3 – ans2</a:t>
+            </a:r>
+            <a:endParaRPr lang="zh-TW" altLang="en-US" sz="6000" dirty="0"/>
+          </a:p>
+        </p:txBody>
+      </p:sp>
+      <p:sp>
+        <p:nvSpPr>
+          <p:cNvPr id="5" name="內容版面配置區 4">
+            <a:extLst>
+              <a:ext uri="{FF2B5EF4-FFF2-40B4-BE49-F238E27FC236}">
+                <a16:creationId xmlns:a16="http://schemas.microsoft.com/office/drawing/2014/main" id="{A431B4DC-7FF3-4C42-928F-8F2FAA26F988}"/>
+              </a:ext>
+            </a:extLst>
+          </p:cNvPr>
+          <p:cNvSpPr>
+            <a:spLocks noGrp="1"/>
+          </p:cNvSpPr>
+          <p:nvPr>
+            <p:ph idx="1"/>
+          </p:nvPr>
+        </p:nvSpPr>
+        <p:spPr>
+          <a:xfrm>
+            <a:off x="443365" y="1825625"/>
+            <a:ext cx="11214100" cy="4351338"/>
+          </a:xfrm>
+        </p:spPr>
+        <p:txBody>
+          <a:bodyPr>
+            <a:normAutofit/>
+          </a:bodyPr>
+          <a:lstStyle/>
+          <a:p>
+            <a:pPr marL="0" indent="0">
+              <a:buNone/>
+            </a:pPr>
+            <a:endParaRPr lang="zh-TW" altLang="en-US" dirty="0">
+              <a:latin typeface="思源黑體 TW Medium" panose="020B0600000000000000"/>
+              <a:ea typeface="思源黑體 TW Medium" panose="020B0600000000000000"/>
+              <a:cs typeface="思源黑體 TW Medium" panose="020B0600000000000000"/>
+            </a:endParaRPr>
+          </a:p>
+        </p:txBody>
+      </p:sp>
+      <p:grpSp>
+        <p:nvGrpSpPr>
+          <p:cNvPr id="6" name="群組 5">
+            <a:extLst>
+              <a:ext uri="{FF2B5EF4-FFF2-40B4-BE49-F238E27FC236}">
+                <a16:creationId xmlns:a16="http://schemas.microsoft.com/office/drawing/2014/main" id="{1DB03A09-EFA9-446E-B14E-714605BE7F02}"/>
+              </a:ext>
+            </a:extLst>
+          </p:cNvPr>
+          <p:cNvGrpSpPr/>
+          <p:nvPr/>
+        </p:nvGrpSpPr>
+        <p:grpSpPr>
+          <a:xfrm>
+            <a:off x="0" y="6176963"/>
+            <a:ext cx="12192000" cy="703140"/>
+            <a:chOff x="0" y="6192732"/>
+            <a:chExt cx="12192000" cy="703140"/>
+          </a:xfrm>
+        </p:grpSpPr>
+        <p:sp>
+          <p:nvSpPr>
+            <p:cNvPr id="7" name="矩形 6">
+              <a:extLst>
+                <a:ext uri="{FF2B5EF4-FFF2-40B4-BE49-F238E27FC236}">
+                  <a16:creationId xmlns:a16="http://schemas.microsoft.com/office/drawing/2014/main" id="{30DA9C63-756D-4B37-9F80-D982634B6A42}"/>
+                </a:ext>
+              </a:extLst>
+            </p:cNvPr>
+            <p:cNvSpPr/>
+            <p:nvPr/>
+          </p:nvSpPr>
+          <p:spPr>
+            <a:xfrm>
+              <a:off x="0" y="6212114"/>
+              <a:ext cx="12192000" cy="683758"/>
+            </a:xfrm>
+            <a:prstGeom prst="rect">
+              <a:avLst/>
+            </a:prstGeom>
+            <a:solidFill>
+              <a:srgbClr val="0065A4"/>
+            </a:solidFill>
+            <a:ln>
+              <a:noFill/>
+            </a:ln>
+          </p:spPr>
+          <p:style>
+            <a:lnRef idx="2">
+              <a:schemeClr val="accent5">
+                <a:shade val="50000"/>
+              </a:schemeClr>
+            </a:lnRef>
+            <a:fillRef idx="1">
+              <a:schemeClr val="accent5"/>
+            </a:fillRef>
+            <a:effectRef idx="0">
+              <a:schemeClr val="accent5"/>
+            </a:effectRef>
+            <a:fontRef idx="minor">
+              <a:schemeClr val="lt1"/>
+            </a:fontRef>
+          </p:style>
+          <p:txBody>
+            <a:bodyPr rtlCol="0" anchor="ctr"/>
+            <a:lstStyle/>
+            <a:p>
+              <a:pPr algn="ctr"/>
+              <a:endParaRPr lang="zh-TW" altLang="en-US" dirty="0">
+                <a:highlight>
+                  <a:srgbClr val="00FFFF"/>
+                </a:highlight>
+              </a:endParaRPr>
+            </a:p>
+          </p:txBody>
+        </p:sp>
+        <p:sp>
+          <p:nvSpPr>
+            <p:cNvPr id="8" name="文字方塊 7">
+              <a:extLst>
+                <a:ext uri="{FF2B5EF4-FFF2-40B4-BE49-F238E27FC236}">
+                  <a16:creationId xmlns:a16="http://schemas.microsoft.com/office/drawing/2014/main" id="{A617ED4E-876A-4C6A-B2FD-ABFA65439411}"/>
+                </a:ext>
+              </a:extLst>
+            </p:cNvPr>
+            <p:cNvSpPr txBox="1"/>
+            <p:nvPr/>
+          </p:nvSpPr>
+          <p:spPr>
+            <a:xfrm flipH="1">
+              <a:off x="3186974" y="6211669"/>
+              <a:ext cx="5818052" cy="646331"/>
+            </a:xfrm>
+            <a:prstGeom prst="rect">
+              <a:avLst/>
+            </a:prstGeom>
+            <a:noFill/>
+          </p:spPr>
+          <p:txBody>
+            <a:bodyPr wrap="square" rtlCol="0">
+              <a:spAutoFit/>
+            </a:bodyPr>
+            <a:lstStyle/>
+            <a:p>
+              <a:pPr algn="dist"/>
+              <a:r>
+                <a:rPr lang="zh-TW" altLang="en-US" sz="3600" dirty="0">
+                  <a:solidFill>
+                    <a:schemeClr val="bg1"/>
+                  </a:solidFill>
+                  <a:latin typeface="標楷體" panose="03000509000000000000" pitchFamily="65" charset="-120"/>
+                  <a:ea typeface="標楷體" panose="03000509000000000000" pitchFamily="65" charset="-120"/>
+                </a:rPr>
+                <a:t>電機事務所</a:t>
+              </a:r>
+            </a:p>
+          </p:txBody>
+        </p:sp>
+        <p:pic>
+          <p:nvPicPr>
+            <p:cNvPr id="9" name="圖片 8">
+              <a:extLst>
+                <a:ext uri="{FF2B5EF4-FFF2-40B4-BE49-F238E27FC236}">
+                  <a16:creationId xmlns:a16="http://schemas.microsoft.com/office/drawing/2014/main" id="{20FE69CC-E546-459D-9C4E-D47BE26B4B2E}"/>
+                </a:ext>
+              </a:extLst>
+            </p:cNvPr>
+            <p:cNvPicPr>
+              <a:picLocks noChangeAspect="1"/>
+            </p:cNvPicPr>
+            <p:nvPr/>
+          </p:nvPicPr>
+          <p:blipFill>
+            <a:blip r:embed="rId2">
+              <a:extLst>
+                <a:ext uri="{28A0092B-C50C-407E-A947-70E740481C1C}">
+                  <a14:useLocalDpi xmlns:a14="http://schemas.microsoft.com/office/drawing/2010/main" val="0"/>
+                </a:ext>
+              </a:extLst>
+            </a:blip>
+            <a:stretch>
+              <a:fillRect/>
+            </a:stretch>
+          </p:blipFill>
+          <p:spPr>
+            <a:xfrm>
+              <a:off x="10330269" y="6244819"/>
+              <a:ext cx="580027" cy="580027"/>
+            </a:xfrm>
+            <a:prstGeom prst="rect">
+              <a:avLst/>
+            </a:prstGeom>
+          </p:spPr>
+        </p:pic>
+        <p:pic>
+          <p:nvPicPr>
+            <p:cNvPr id="10" name="圖片 9">
+              <a:extLst>
+                <a:ext uri="{FF2B5EF4-FFF2-40B4-BE49-F238E27FC236}">
+                  <a16:creationId xmlns:a16="http://schemas.microsoft.com/office/drawing/2014/main" id="{05D3740C-3C2F-49BC-B8F4-176998CD17A5}"/>
+                </a:ext>
+              </a:extLst>
+            </p:cNvPr>
+            <p:cNvPicPr>
+              <a:picLocks noChangeAspect="1"/>
+            </p:cNvPicPr>
+            <p:nvPr/>
+          </p:nvPicPr>
+          <p:blipFill>
+            <a:blip r:embed="rId3">
+              <a:extLst>
+                <a:ext uri="{28A0092B-C50C-407E-A947-70E740481C1C}">
+                  <a14:useLocalDpi xmlns:a14="http://schemas.microsoft.com/office/drawing/2010/main" val="0"/>
+                </a:ext>
+              </a:extLst>
+            </a:blip>
+            <a:stretch>
+              <a:fillRect/>
+            </a:stretch>
+          </p:blipFill>
+          <p:spPr>
+            <a:xfrm>
+              <a:off x="1343227" y="6192732"/>
+              <a:ext cx="684203" cy="684203"/>
+            </a:xfrm>
+            <a:prstGeom prst="rect">
+              <a:avLst/>
+            </a:prstGeom>
+          </p:spPr>
+        </p:pic>
+      </p:grpSp>
+      <p:pic>
+        <p:nvPicPr>
+          <p:cNvPr id="3" name="圖片 2">
+            <a:extLst>
+              <a:ext uri="{FF2B5EF4-FFF2-40B4-BE49-F238E27FC236}">
+                <a16:creationId xmlns:a16="http://schemas.microsoft.com/office/drawing/2014/main" id="{A2AD8A00-EDF3-4F85-ACEB-A9CBC76FE7C4}"/>
+              </a:ext>
+            </a:extLst>
+          </p:cNvPr>
+          <p:cNvPicPr>
+            <a:picLocks noChangeAspect="1"/>
+          </p:cNvPicPr>
+          <p:nvPr/>
+        </p:nvPicPr>
+        <p:blipFill>
+          <a:blip r:embed="rId4"/>
+          <a:stretch>
+            <a:fillRect/>
+          </a:stretch>
+        </p:blipFill>
+        <p:spPr>
+          <a:xfrm>
+            <a:off x="3240700" y="1478912"/>
+            <a:ext cx="5710599" cy="5401191"/>
+          </a:xfrm>
+          <a:prstGeom prst="rect">
+            <a:avLst/>
+          </a:prstGeom>
+        </p:spPr>
+      </p:pic>
+      <p:sp>
+        <p:nvSpPr>
+          <p:cNvPr id="13" name="矩形 12">
+            <a:extLst>
+              <a:ext uri="{FF2B5EF4-FFF2-40B4-BE49-F238E27FC236}">
+                <a16:creationId xmlns:a16="http://schemas.microsoft.com/office/drawing/2014/main" id="{77C93C5B-0A9C-4C6E-8591-8BE8C4BD504F}"/>
+              </a:ext>
+            </a:extLst>
+          </p:cNvPr>
+          <p:cNvSpPr/>
+          <p:nvPr/>
+        </p:nvSpPr>
+        <p:spPr>
+          <a:xfrm>
+            <a:off x="3628920" y="4684337"/>
+            <a:ext cx="4760337" cy="1934177"/>
+          </a:xfrm>
+          <a:prstGeom prst="rect">
+            <a:avLst/>
+          </a:prstGeom>
+          <a:noFill/>
+          <a:ln w="63500">
+            <a:solidFill>
+              <a:srgbClr val="FF0000"/>
+            </a:solidFill>
+          </a:ln>
+        </p:spPr>
+        <p:style>
+          <a:lnRef idx="2">
+            <a:schemeClr val="accent1">
+              <a:shade val="50000"/>
+            </a:schemeClr>
+          </a:lnRef>
+          <a:fillRef idx="1">
+            <a:schemeClr val="accent1"/>
+          </a:fillRef>
+          <a:effectRef idx="0">
+            <a:schemeClr val="accent1"/>
+          </a:effectRef>
+          <a:fontRef idx="minor">
+            <a:schemeClr val="lt1"/>
+          </a:fontRef>
+        </p:style>
+        <p:txBody>
+          <a:bodyPr rtlCol="0" anchor="ctr"/>
+          <a:lstStyle/>
+          <a:p>
+            <a:pPr algn="ctr"/>
+            <a:endParaRPr lang="zh-TW" altLang="en-US" dirty="0"/>
+          </a:p>
+        </p:txBody>
+      </p:sp>
+      <p:sp>
+        <p:nvSpPr>
+          <p:cNvPr id="14" name="矩形 13">
+            <a:extLst>
+              <a:ext uri="{FF2B5EF4-FFF2-40B4-BE49-F238E27FC236}">
+                <a16:creationId xmlns:a16="http://schemas.microsoft.com/office/drawing/2014/main" id="{ECFEDA54-650E-4774-892A-8D15F82473AE}"/>
+              </a:ext>
+            </a:extLst>
+          </p:cNvPr>
+          <p:cNvSpPr/>
+          <p:nvPr/>
+        </p:nvSpPr>
+        <p:spPr>
+          <a:xfrm>
+            <a:off x="3693886" y="3357878"/>
+            <a:ext cx="3614057" cy="423093"/>
+          </a:xfrm>
+          <a:prstGeom prst="rect">
+            <a:avLst/>
+          </a:prstGeom>
+          <a:noFill/>
+          <a:ln w="63500">
+            <a:solidFill>
+              <a:srgbClr val="FF0000"/>
+            </a:solidFill>
+          </a:ln>
+        </p:spPr>
+        <p:style>
+          <a:lnRef idx="2">
+            <a:schemeClr val="accent1">
+              <a:shade val="50000"/>
+            </a:schemeClr>
+          </a:lnRef>
+          <a:fillRef idx="1">
+            <a:schemeClr val="accent1"/>
+          </a:fillRef>
+          <a:effectRef idx="0">
+            <a:schemeClr val="accent1"/>
+          </a:effectRef>
+          <a:fontRef idx="minor">
+            <a:schemeClr val="lt1"/>
+          </a:fontRef>
+        </p:style>
+        <p:txBody>
+          <a:bodyPr rtlCol="0" anchor="ctr"/>
+          <a:lstStyle/>
+          <a:p>
+            <a:pPr algn="ctr"/>
+            <a:endParaRPr lang="zh-TW" altLang="en-US" dirty="0"/>
+          </a:p>
+        </p:txBody>
+      </p:sp>
+    </p:spTree>
+    <p:extLst>
+      <p:ext uri="{BB962C8B-B14F-4D97-AF65-F5344CB8AC3E}">
+        <p14:creationId xmlns:p14="http://schemas.microsoft.com/office/powerpoint/2010/main" val="514548568"/>
+      </p:ext>
+    </p:extLst>
+  </p:cSld>
+  <p:clrMapOvr>
+    <a:masterClrMapping/>
+  </p:clrMapOvr>
+  <p:timing>
+    <p:tnLst>
+      <p:par>
+        <p:cTn id="1" dur="indefinite" restart="never" nodeType="tmRoot">
+          <p:childTnLst>
+            <p:seq concurrent="1" nextAc="seek">
+              <p:cTn id="2" dur="indefinite" nodeType="mainSeq">
+                <p:childTnLst>
+                  <p:par>
+                    <p:cTn id="3" fill="hold">
+                      <p:stCondLst>
+                        <p:cond delay="indefinite"/>
+                      </p:stCondLst>
+                      <p:childTnLst>
+                        <p:par>
+                          <p:cTn id="4" fill="hold">
+                            <p:stCondLst>
+                              <p:cond delay="0"/>
+                            </p:stCondLst>
+                            <p:childTnLst>
+                              <p:par>
+                                <p:cTn id="5" presetID="1" presetClass="entr" presetSubtype="0" fill="hold" grpId="0" nodeType="clickEffect">
+                                  <p:stCondLst>
+                                    <p:cond delay="0"/>
+                                  </p:stCondLst>
+                                  <p:childTnLst>
+                                    <p:set>
+                                      <p:cBhvr>
+                                        <p:cTn id="6" dur="1" fill="hold">
+                                          <p:stCondLst>
+                                            <p:cond delay="0"/>
+                                          </p:stCondLst>
+                                        </p:cTn>
+                                        <p:tgtEl>
+                                          <p:spTgt spid="14"/>
+                                        </p:tgtEl>
+                                        <p:attrNameLst>
+                                          <p:attrName>style.visibility</p:attrName>
+                                        </p:attrNameLst>
+                                      </p:cBhvr>
+                                      <p:to>
+                                        <p:strVal val="visible"/>
+                                      </p:to>
+                                    </p:set>
+                                  </p:childTnLst>
+                                </p:cTn>
+                              </p:par>
+                            </p:childTnLst>
+                          </p:cTn>
+                        </p:par>
+                      </p:childTnLst>
+                    </p:cTn>
+                  </p:par>
+                  <p:par>
+                    <p:cTn id="7" fill="hold">
+                      <p:stCondLst>
+                        <p:cond delay="indefinite"/>
+                      </p:stCondLst>
+                      <p:childTnLst>
+                        <p:par>
+                          <p:cTn id="8" fill="hold">
+                            <p:stCondLst>
+                              <p:cond delay="0"/>
+                            </p:stCondLst>
+                            <p:childTnLst>
+                              <p:par>
+                                <p:cTn id="9" presetID="1" presetClass="entr" presetSubtype="0" fill="hold" grpId="0" nodeType="clickEffect">
+                                  <p:stCondLst>
+                                    <p:cond delay="0"/>
+                                  </p:stCondLst>
+                                  <p:childTnLst>
+                                    <p:set>
+                                      <p:cBhvr>
+                                        <p:cTn id="10" dur="1" fill="hold">
+                                          <p:stCondLst>
+                                            <p:cond delay="0"/>
+                                          </p:stCondLst>
+                                        </p:cTn>
+                                        <p:tgtEl>
+                                          <p:spTgt spid="13"/>
+                                        </p:tgtEl>
+                                        <p:attrNameLst>
+                                          <p:attrName>style.visibility</p:attrName>
+                                        </p:attrNameLst>
+                                      </p:cBhvr>
+                                      <p:to>
+                                        <p:strVal val="visible"/>
+                                      </p:to>
+                                    </p:set>
+                                  </p:childTnLst>
+                                </p:cTn>
+                              </p:par>
+                            </p:childTnLst>
+                          </p:cTn>
+                        </p:par>
+                      </p:childTnLst>
+                    </p:cTn>
+                  </p:par>
+                </p:childTnLst>
+              </p:cTn>
+              <p:prevCondLst>
+                <p:cond evt="onPrev" delay="0">
+                  <p:tgtEl>
+                    <p:sldTgt/>
+                  </p:tgtEl>
+                </p:cond>
+              </p:prevCondLst>
+              <p:nextCondLst>
+                <p:cond evt="onNext" delay="0">
+                  <p:tgtEl>
+                    <p:sldTgt/>
+                  </p:tgtEl>
+                </p:cond>
+              </p:nextCondLst>
+            </p:seq>
+          </p:childTnLst>
+        </p:cTn>
+      </p:par>
+    </p:tnLst>
+    <p:bldLst>
+      <p:bldP spid="13" grpId="0" animBg="1"/>
+      <p:bldP spid="14" grpId="0" animBg="1"/>
+    </p:bldLst>
+  </p:timing>
+</p:sld>
+</file>
+
+<file path=ppt/slides/slide31.xml><?xml version="1.0" encoding="utf-8"?>
 <p:sld xmlns:a="http://schemas.openxmlformats.org/drawingml/2006/main" xmlns:r="http://schemas.openxmlformats.org/officeDocument/2006/relationships" xmlns:p="http://schemas.openxmlformats.org/presentationml/2006/main">
   <p:cSld>
     <p:spTree>
@@ -35021,7 +37449,7 @@
 </p:sld>
 </file>
 
-<file path=ppt/slides/slide26.xml><?xml version="1.0" encoding="utf-8"?>
+<file path=ppt/slides/slide32.xml><?xml version="1.0" encoding="utf-8"?>
 <p:sld xmlns:a="http://schemas.openxmlformats.org/drawingml/2006/main" xmlns:r="http://schemas.openxmlformats.org/officeDocument/2006/relationships" xmlns:p="http://schemas.openxmlformats.org/presentationml/2006/main">
   <p:cSld>
     <p:spTree>
@@ -35308,7 +37736,7 @@
 </p:sld>
 </file>
 
-<file path=ppt/slides/slide27.xml><?xml version="1.0" encoding="utf-8"?>
+<file path=ppt/slides/slide33.xml><?xml version="1.0" encoding="utf-8"?>
 <p:sld xmlns:a="http://schemas.openxmlformats.org/drawingml/2006/main" xmlns:r="http://schemas.openxmlformats.org/officeDocument/2006/relationships" xmlns:p="http://schemas.openxmlformats.org/presentationml/2006/main">
   <p:cSld>
     <p:spTree>
@@ -35653,7 +38081,7 @@
 </p:sld>
 </file>
 
-<file path=ppt/slides/slide28.xml><?xml version="1.0" encoding="utf-8"?>
+<file path=ppt/slides/slide34.xml><?xml version="1.0" encoding="utf-8"?>
 <p:sld xmlns:a="http://schemas.openxmlformats.org/drawingml/2006/main" xmlns:r="http://schemas.openxmlformats.org/officeDocument/2006/relationships" xmlns:p="http://schemas.openxmlformats.org/presentationml/2006/main">
   <p:cSld>
     <p:spTree>
@@ -37259,7 +39687,7 @@
 </p:sld>
 </file>
 
-<file path=ppt/slides/slide29.xml><?xml version="1.0" encoding="utf-8"?>
+<file path=ppt/slides/slide35.xml><?xml version="1.0" encoding="utf-8"?>
 <p:sld xmlns:a="http://schemas.openxmlformats.org/drawingml/2006/main" xmlns:r="http://schemas.openxmlformats.org/officeDocument/2006/relationships" xmlns:p="http://schemas.openxmlformats.org/presentationml/2006/main">
   <p:cSld>
     <p:spTree>
@@ -38871,338 +41299,7 @@
 </p:sld>
 </file>
 
-<file path=ppt/slides/slide3.xml><?xml version="1.0" encoding="utf-8"?>
-<p:sld xmlns:a="http://schemas.openxmlformats.org/drawingml/2006/main" xmlns:r="http://schemas.openxmlformats.org/officeDocument/2006/relationships" xmlns:p="http://schemas.openxmlformats.org/presentationml/2006/main">
-  <p:cSld>
-    <p:spTree>
-      <p:nvGrpSpPr>
-        <p:cNvPr id="1" name=""/>
-        <p:cNvGrpSpPr/>
-        <p:nvPr/>
-      </p:nvGrpSpPr>
-      <p:grpSpPr>
-        <a:xfrm>
-          <a:off x="0" y="0"/>
-          <a:ext cx="0" cy="0"/>
-          <a:chOff x="0" y="0"/>
-          <a:chExt cx="0" cy="0"/>
-        </a:xfrm>
-      </p:grpSpPr>
-      <p:sp>
-        <p:nvSpPr>
-          <p:cNvPr id="4" name="標題 3">
-            <a:extLst>
-              <a:ext uri="{FF2B5EF4-FFF2-40B4-BE49-F238E27FC236}">
-                <a16:creationId xmlns:a16="http://schemas.microsoft.com/office/drawing/2014/main" id="{3C618BD0-7357-4F85-A56C-747DCD526A29}"/>
-              </a:ext>
-            </a:extLst>
-          </p:cNvPr>
-          <p:cNvSpPr>
-            <a:spLocks noGrp="1"/>
-          </p:cNvSpPr>
-          <p:nvPr>
-            <p:ph type="title"/>
-          </p:nvPr>
-        </p:nvSpPr>
-        <p:spPr>
-          <a:xfrm>
-            <a:off x="444500" y="542925"/>
-            <a:ext cx="11214100" cy="923330"/>
-          </a:xfrm>
-        </p:spPr>
-        <p:txBody>
-          <a:bodyPr/>
-          <a:lstStyle/>
-          <a:p>
-            <a:r>
-              <a:rPr lang="en-US" altLang="zh-TW" sz="6000" dirty="0"/>
-              <a:t>What’s RGB</a:t>
-            </a:r>
-            <a:endParaRPr lang="zh-TW" altLang="en-US" sz="6000" dirty="0"/>
-          </a:p>
-        </p:txBody>
-      </p:sp>
-      <p:sp>
-        <p:nvSpPr>
-          <p:cNvPr id="5" name="內容版面配置區 4">
-            <a:extLst>
-              <a:ext uri="{FF2B5EF4-FFF2-40B4-BE49-F238E27FC236}">
-                <a16:creationId xmlns:a16="http://schemas.microsoft.com/office/drawing/2014/main" id="{A431B4DC-7FF3-4C42-928F-8F2FAA26F988}"/>
-              </a:ext>
-            </a:extLst>
-          </p:cNvPr>
-          <p:cNvSpPr>
-            <a:spLocks noGrp="1"/>
-          </p:cNvSpPr>
-          <p:nvPr>
-            <p:ph idx="1"/>
-          </p:nvPr>
-        </p:nvSpPr>
-        <p:spPr/>
-        <p:txBody>
-          <a:bodyPr>
-            <a:normAutofit/>
-          </a:bodyPr>
-          <a:lstStyle/>
-          <a:p>
-            <a:endParaRPr lang="zh-TW" altLang="en-US" sz="3200" dirty="0">
-              <a:latin typeface="+mj-lt"/>
-            </a:endParaRPr>
-          </a:p>
-        </p:txBody>
-      </p:sp>
-      <p:grpSp>
-        <p:nvGrpSpPr>
-          <p:cNvPr id="6" name="群組 5">
-            <a:extLst>
-              <a:ext uri="{FF2B5EF4-FFF2-40B4-BE49-F238E27FC236}">
-                <a16:creationId xmlns:a16="http://schemas.microsoft.com/office/drawing/2014/main" id="{1DB03A09-EFA9-446E-B14E-714605BE7F02}"/>
-              </a:ext>
-            </a:extLst>
-          </p:cNvPr>
-          <p:cNvGrpSpPr/>
-          <p:nvPr/>
-        </p:nvGrpSpPr>
-        <p:grpSpPr>
-          <a:xfrm>
-            <a:off x="0" y="6176963"/>
-            <a:ext cx="12192000" cy="703140"/>
-            <a:chOff x="0" y="6192732"/>
-            <a:chExt cx="12192000" cy="703140"/>
-          </a:xfrm>
-        </p:grpSpPr>
-        <p:sp>
-          <p:nvSpPr>
-            <p:cNvPr id="7" name="矩形 6">
-              <a:extLst>
-                <a:ext uri="{FF2B5EF4-FFF2-40B4-BE49-F238E27FC236}">
-                  <a16:creationId xmlns:a16="http://schemas.microsoft.com/office/drawing/2014/main" id="{30DA9C63-756D-4B37-9F80-D982634B6A42}"/>
-                </a:ext>
-              </a:extLst>
-            </p:cNvPr>
-            <p:cNvSpPr/>
-            <p:nvPr/>
-          </p:nvSpPr>
-          <p:spPr>
-            <a:xfrm>
-              <a:off x="0" y="6212114"/>
-              <a:ext cx="12192000" cy="683758"/>
-            </a:xfrm>
-            <a:prstGeom prst="rect">
-              <a:avLst/>
-            </a:prstGeom>
-            <a:solidFill>
-              <a:srgbClr val="0065A4"/>
-            </a:solidFill>
-            <a:ln>
-              <a:noFill/>
-            </a:ln>
-          </p:spPr>
-          <p:style>
-            <a:lnRef idx="2">
-              <a:schemeClr val="accent5">
-                <a:shade val="50000"/>
-              </a:schemeClr>
-            </a:lnRef>
-            <a:fillRef idx="1">
-              <a:schemeClr val="accent5"/>
-            </a:fillRef>
-            <a:effectRef idx="0">
-              <a:schemeClr val="accent5"/>
-            </a:effectRef>
-            <a:fontRef idx="minor">
-              <a:schemeClr val="lt1"/>
-            </a:fontRef>
-          </p:style>
-          <p:txBody>
-            <a:bodyPr rtlCol="0" anchor="ctr"/>
-            <a:lstStyle/>
-            <a:p>
-              <a:pPr algn="ctr"/>
-              <a:endParaRPr lang="zh-TW" altLang="en-US" dirty="0">
-                <a:highlight>
-                  <a:srgbClr val="00FFFF"/>
-                </a:highlight>
-              </a:endParaRPr>
-            </a:p>
-          </p:txBody>
-        </p:sp>
-        <p:sp>
-          <p:nvSpPr>
-            <p:cNvPr id="8" name="文字方塊 7">
-              <a:extLst>
-                <a:ext uri="{FF2B5EF4-FFF2-40B4-BE49-F238E27FC236}">
-                  <a16:creationId xmlns:a16="http://schemas.microsoft.com/office/drawing/2014/main" id="{A617ED4E-876A-4C6A-B2FD-ABFA65439411}"/>
-                </a:ext>
-              </a:extLst>
-            </p:cNvPr>
-            <p:cNvSpPr txBox="1"/>
-            <p:nvPr/>
-          </p:nvSpPr>
-          <p:spPr>
-            <a:xfrm flipH="1">
-              <a:off x="3186974" y="6211669"/>
-              <a:ext cx="5818052" cy="646331"/>
-            </a:xfrm>
-            <a:prstGeom prst="rect">
-              <a:avLst/>
-            </a:prstGeom>
-            <a:noFill/>
-          </p:spPr>
-          <p:txBody>
-            <a:bodyPr wrap="square" rtlCol="0">
-              <a:spAutoFit/>
-            </a:bodyPr>
-            <a:lstStyle/>
-            <a:p>
-              <a:pPr algn="dist"/>
-              <a:r>
-                <a:rPr lang="zh-TW" altLang="en-US" sz="3600" dirty="0">
-                  <a:solidFill>
-                    <a:schemeClr val="bg1"/>
-                  </a:solidFill>
-                  <a:latin typeface="標楷體" panose="03000509000000000000" pitchFamily="65" charset="-120"/>
-                  <a:ea typeface="標楷體" panose="03000509000000000000" pitchFamily="65" charset="-120"/>
-                </a:rPr>
-                <a:t>電機事務所</a:t>
-              </a:r>
-            </a:p>
-          </p:txBody>
-        </p:sp>
-        <p:pic>
-          <p:nvPicPr>
-            <p:cNvPr id="9" name="圖片 8">
-              <a:extLst>
-                <a:ext uri="{FF2B5EF4-FFF2-40B4-BE49-F238E27FC236}">
-                  <a16:creationId xmlns:a16="http://schemas.microsoft.com/office/drawing/2014/main" id="{20FE69CC-E546-459D-9C4E-D47BE26B4B2E}"/>
-                </a:ext>
-              </a:extLst>
-            </p:cNvPr>
-            <p:cNvPicPr>
-              <a:picLocks noChangeAspect="1"/>
-            </p:cNvPicPr>
-            <p:nvPr/>
-          </p:nvPicPr>
-          <p:blipFill>
-            <a:blip r:embed="rId3">
-              <a:extLst>
-                <a:ext uri="{28A0092B-C50C-407E-A947-70E740481C1C}">
-                  <a14:useLocalDpi xmlns:a14="http://schemas.microsoft.com/office/drawing/2010/main" val="0"/>
-                </a:ext>
-              </a:extLst>
-            </a:blip>
-            <a:stretch>
-              <a:fillRect/>
-            </a:stretch>
-          </p:blipFill>
-          <p:spPr>
-            <a:xfrm>
-              <a:off x="10330269" y="6244819"/>
-              <a:ext cx="580027" cy="580027"/>
-            </a:xfrm>
-            <a:prstGeom prst="rect">
-              <a:avLst/>
-            </a:prstGeom>
-          </p:spPr>
-        </p:pic>
-        <p:pic>
-          <p:nvPicPr>
-            <p:cNvPr id="10" name="圖片 9">
-              <a:extLst>
-                <a:ext uri="{FF2B5EF4-FFF2-40B4-BE49-F238E27FC236}">
-                  <a16:creationId xmlns:a16="http://schemas.microsoft.com/office/drawing/2014/main" id="{05D3740C-3C2F-49BC-B8F4-176998CD17A5}"/>
-                </a:ext>
-              </a:extLst>
-            </p:cNvPr>
-            <p:cNvPicPr>
-              <a:picLocks noChangeAspect="1"/>
-            </p:cNvPicPr>
-            <p:nvPr/>
-          </p:nvPicPr>
-          <p:blipFill>
-            <a:blip r:embed="rId4">
-              <a:extLst>
-                <a:ext uri="{28A0092B-C50C-407E-A947-70E740481C1C}">
-                  <a14:useLocalDpi xmlns:a14="http://schemas.microsoft.com/office/drawing/2010/main" val="0"/>
-                </a:ext>
-              </a:extLst>
-            </a:blip>
-            <a:stretch>
-              <a:fillRect/>
-            </a:stretch>
-          </p:blipFill>
-          <p:spPr>
-            <a:xfrm>
-              <a:off x="1343227" y="6192732"/>
-              <a:ext cx="684203" cy="684203"/>
-            </a:xfrm>
-            <a:prstGeom prst="rect">
-              <a:avLst/>
-            </a:prstGeom>
-          </p:spPr>
-        </p:pic>
-      </p:grpSp>
-      <p:pic>
-        <p:nvPicPr>
-          <p:cNvPr id="11" name="Picture 2">
-            <a:extLst>
-              <a:ext uri="{FF2B5EF4-FFF2-40B4-BE49-F238E27FC236}">
-                <a16:creationId xmlns:a16="http://schemas.microsoft.com/office/drawing/2014/main" id="{5EB31E0F-E3DB-454F-A2A4-2C4E1A77E57B}"/>
-              </a:ext>
-            </a:extLst>
-          </p:cNvPr>
-          <p:cNvPicPr>
-            <a:picLocks noChangeAspect="1" noChangeArrowheads="1"/>
-          </p:cNvPicPr>
-          <p:nvPr/>
-        </p:nvPicPr>
-        <p:blipFill>
-          <a:blip r:embed="rId5">
-            <a:extLst>
-              <a:ext uri="{28A0092B-C50C-407E-A947-70E740481C1C}">
-                <a14:useLocalDpi xmlns:a14="http://schemas.microsoft.com/office/drawing/2010/main" val="0"/>
-              </a:ext>
-            </a:extLst>
-          </a:blip>
-          <a:srcRect/>
-          <a:stretch>
-            <a:fillRect/>
-          </a:stretch>
-        </p:blipFill>
-        <p:spPr bwMode="auto">
-          <a:xfrm>
-            <a:off x="2969048" y="1466255"/>
-            <a:ext cx="6253904" cy="4641569"/>
-          </a:xfrm>
-          <a:prstGeom prst="rect">
-            <a:avLst/>
-          </a:prstGeom>
-          <a:noFill/>
-          <a:extLst>
-            <a:ext uri="{909E8E84-426E-40DD-AFC4-6F175D3DCCD1}">
-              <a14:hiddenFill xmlns:a14="http://schemas.microsoft.com/office/drawing/2010/main">
-                <a:solidFill>
-                  <a:srgbClr val="FFFFFF"/>
-                </a:solidFill>
-              </a14:hiddenFill>
-            </a:ext>
-          </a:extLst>
-        </p:spPr>
-      </p:pic>
-    </p:spTree>
-    <p:extLst>
-      <p:ext uri="{BB962C8B-B14F-4D97-AF65-F5344CB8AC3E}">
-        <p14:creationId xmlns:p14="http://schemas.microsoft.com/office/powerpoint/2010/main" val="2045673086"/>
-      </p:ext>
-    </p:extLst>
-  </p:cSld>
-  <p:clrMapOvr>
-    <a:masterClrMapping/>
-  </p:clrMapOvr>
-</p:sld>
-</file>
-
-<file path=ppt/slides/slide30.xml><?xml version="1.0" encoding="utf-8"?>
+<file path=ppt/slides/slide36.xml><?xml version="1.0" encoding="utf-8"?>
 <p:sld xmlns:a="http://schemas.openxmlformats.org/drawingml/2006/main" xmlns:r="http://schemas.openxmlformats.org/officeDocument/2006/relationships" xmlns:p="http://schemas.openxmlformats.org/presentationml/2006/main">
   <p:cSld>
     <p:spTree>
@@ -40814,7 +42911,7 @@
 </p:sld>
 </file>
 
-<file path=ppt/slides/slide31.xml><?xml version="1.0" encoding="utf-8"?>
+<file path=ppt/slides/slide37.xml><?xml version="1.0" encoding="utf-8"?>
 <p:sld xmlns:a="http://schemas.openxmlformats.org/drawingml/2006/main" xmlns:r="http://schemas.openxmlformats.org/officeDocument/2006/relationships" xmlns:p="http://schemas.openxmlformats.org/presentationml/2006/main">
   <p:cSld>
     <p:spTree>
@@ -42416,7 +44513,7 @@
 </p:sld>
 </file>
 
-<file path=ppt/slides/slide32.xml><?xml version="1.0" encoding="utf-8"?>
+<file path=ppt/slides/slide38.xml><?xml version="1.0" encoding="utf-8"?>
 <p:sld xmlns:a="http://schemas.openxmlformats.org/drawingml/2006/main" xmlns:r="http://schemas.openxmlformats.org/officeDocument/2006/relationships" xmlns:p="http://schemas.openxmlformats.org/presentationml/2006/main">
   <p:cSld>
     <p:spTree>
@@ -43212,7 +45309,7 @@
 </p:sld>
 </file>
 
-<file path=ppt/slides/slide33.xml><?xml version="1.0" encoding="utf-8"?>
+<file path=ppt/slides/slide39.xml><?xml version="1.0" encoding="utf-8"?>
 <p:sld xmlns:a="http://schemas.openxmlformats.org/drawingml/2006/main" xmlns:r="http://schemas.openxmlformats.org/officeDocument/2006/relationships" xmlns:p="http://schemas.openxmlformats.org/presentationml/2006/main">
   <p:cSld>
     <p:spTree>
@@ -43670,7 +45767,406 @@
 </p:sld>
 </file>
 
-<file path=ppt/slides/slide34.xml><?xml version="1.0" encoding="utf-8"?>
+<file path=ppt/slides/slide4.xml><?xml version="1.0" encoding="utf-8"?>
+<p:sld xmlns:a="http://schemas.openxmlformats.org/drawingml/2006/main" xmlns:r="http://schemas.openxmlformats.org/officeDocument/2006/relationships" xmlns:p="http://schemas.openxmlformats.org/presentationml/2006/main">
+  <p:cSld>
+    <p:spTree>
+      <p:nvGrpSpPr>
+        <p:cNvPr id="1" name=""/>
+        <p:cNvGrpSpPr/>
+        <p:nvPr/>
+      </p:nvGrpSpPr>
+      <p:grpSpPr>
+        <a:xfrm>
+          <a:off x="0" y="0"/>
+          <a:ext cx="0" cy="0"/>
+          <a:chOff x="0" y="0"/>
+          <a:chExt cx="0" cy="0"/>
+        </a:xfrm>
+      </p:grpSpPr>
+      <p:sp>
+        <p:nvSpPr>
+          <p:cNvPr id="4" name="標題 3">
+            <a:extLst>
+              <a:ext uri="{FF2B5EF4-FFF2-40B4-BE49-F238E27FC236}">
+                <a16:creationId xmlns:a16="http://schemas.microsoft.com/office/drawing/2014/main" id="{3C618BD0-7357-4F85-A56C-747DCD526A29}"/>
+              </a:ext>
+            </a:extLst>
+          </p:cNvPr>
+          <p:cNvSpPr>
+            <a:spLocks noGrp="1"/>
+          </p:cNvSpPr>
+          <p:nvPr>
+            <p:ph type="title"/>
+          </p:nvPr>
+        </p:nvSpPr>
+        <p:spPr>
+          <a:xfrm>
+            <a:off x="444500" y="542925"/>
+            <a:ext cx="11214100" cy="923330"/>
+          </a:xfrm>
+        </p:spPr>
+        <p:txBody>
+          <a:bodyPr/>
+          <a:lstStyle/>
+          <a:p>
+            <a:r>
+              <a:rPr lang="en-US" altLang="zh-TW" sz="6000" dirty="0"/>
+              <a:t>What’s RGB</a:t>
+            </a:r>
+            <a:endParaRPr lang="zh-TW" altLang="en-US" sz="6000" dirty="0"/>
+          </a:p>
+        </p:txBody>
+      </p:sp>
+      <p:sp>
+        <p:nvSpPr>
+          <p:cNvPr id="5" name="內容版面配置區 4">
+            <a:extLst>
+              <a:ext uri="{FF2B5EF4-FFF2-40B4-BE49-F238E27FC236}">
+                <a16:creationId xmlns:a16="http://schemas.microsoft.com/office/drawing/2014/main" id="{A431B4DC-7FF3-4C42-928F-8F2FAA26F988}"/>
+              </a:ext>
+            </a:extLst>
+          </p:cNvPr>
+          <p:cNvSpPr>
+            <a:spLocks noGrp="1"/>
+          </p:cNvSpPr>
+          <p:nvPr>
+            <p:ph idx="1"/>
+          </p:nvPr>
+        </p:nvSpPr>
+        <p:spPr/>
+        <p:txBody>
+          <a:bodyPr>
+            <a:normAutofit/>
+          </a:bodyPr>
+          <a:lstStyle/>
+          <a:p>
+            <a:r>
+              <a:rPr lang="en-US" altLang="zh-TW" sz="3200" dirty="0">
+                <a:latin typeface="+mj-lt"/>
+              </a:rPr>
+              <a:t>FF(16) = 255(10) = </a:t>
+            </a:r>
+            <a:r>
+              <a:rPr lang="en-US" altLang="zh-TW" sz="3200" u="sng" dirty="0">
+                <a:latin typeface="+mj-lt"/>
+              </a:rPr>
+              <a:t>1111</a:t>
+            </a:r>
+            <a:r>
+              <a:rPr lang="en-US" altLang="zh-TW" sz="3200" dirty="0">
+                <a:latin typeface="+mj-lt"/>
+              </a:rPr>
+              <a:t> </a:t>
+            </a:r>
+            <a:r>
+              <a:rPr lang="en-US" altLang="zh-TW" sz="3200" u="sng" dirty="0">
+                <a:latin typeface="+mj-lt"/>
+              </a:rPr>
+              <a:t>1111</a:t>
+            </a:r>
+            <a:r>
+              <a:rPr lang="en-US" altLang="zh-TW" sz="3200" dirty="0">
+                <a:latin typeface="+mj-lt"/>
+              </a:rPr>
+              <a:t>(2)</a:t>
+            </a:r>
+          </a:p>
+          <a:p>
+            <a:endParaRPr lang="en-US" altLang="zh-TW" sz="3200" dirty="0">
+              <a:latin typeface="+mj-lt"/>
+            </a:endParaRPr>
+          </a:p>
+          <a:p>
+            <a:r>
+              <a:rPr lang="en-US" altLang="zh-TW" sz="3200" dirty="0">
+                <a:latin typeface="+mj-lt"/>
+              </a:rPr>
+              <a:t>00FF00(16) = </a:t>
+            </a:r>
+            <a:r>
+              <a:rPr lang="en-US" altLang="zh-TW" sz="3200" u="sng" dirty="0">
+                <a:latin typeface="+mj-lt"/>
+              </a:rPr>
+              <a:t>0000</a:t>
+            </a:r>
+            <a:r>
+              <a:rPr lang="en-US" altLang="zh-TW" sz="3200" dirty="0">
+                <a:latin typeface="+mj-lt"/>
+              </a:rPr>
+              <a:t> </a:t>
+            </a:r>
+            <a:r>
+              <a:rPr lang="en-US" altLang="zh-TW" sz="3200" u="sng" dirty="0">
+                <a:latin typeface="+mj-lt"/>
+              </a:rPr>
+              <a:t>0000</a:t>
+            </a:r>
+            <a:r>
+              <a:rPr lang="en-US" altLang="zh-TW" sz="3200" dirty="0">
+                <a:latin typeface="+mj-lt"/>
+              </a:rPr>
+              <a:t> </a:t>
+            </a:r>
+            <a:r>
+              <a:rPr lang="en-US" altLang="zh-TW" sz="3200" u="sng" dirty="0">
+                <a:latin typeface="+mj-lt"/>
+              </a:rPr>
+              <a:t>1111</a:t>
+            </a:r>
+            <a:r>
+              <a:rPr lang="en-US" altLang="zh-TW" sz="3200" dirty="0">
+                <a:latin typeface="+mj-lt"/>
+              </a:rPr>
+              <a:t> </a:t>
+            </a:r>
+            <a:r>
+              <a:rPr lang="en-US" altLang="zh-TW" sz="3200" u="sng" dirty="0">
+                <a:latin typeface="+mj-lt"/>
+              </a:rPr>
+              <a:t>1111</a:t>
+            </a:r>
+            <a:r>
+              <a:rPr lang="en-US" altLang="zh-TW" sz="3200" dirty="0">
+                <a:latin typeface="+mj-lt"/>
+              </a:rPr>
+              <a:t> </a:t>
+            </a:r>
+            <a:r>
+              <a:rPr lang="en-US" altLang="zh-TW" sz="3200" u="sng" dirty="0">
+                <a:latin typeface="+mj-lt"/>
+              </a:rPr>
+              <a:t>0000</a:t>
+            </a:r>
+            <a:r>
+              <a:rPr lang="en-US" altLang="zh-TW" sz="3200" dirty="0">
+                <a:latin typeface="+mj-lt"/>
+              </a:rPr>
+              <a:t> </a:t>
+            </a:r>
+            <a:r>
+              <a:rPr lang="en-US" altLang="zh-TW" sz="3200" u="sng" dirty="0">
+                <a:latin typeface="+mj-lt"/>
+              </a:rPr>
+              <a:t>0000</a:t>
+            </a:r>
+            <a:r>
+              <a:rPr lang="en-US" altLang="zh-TW" sz="3200" dirty="0">
+                <a:latin typeface="+mj-lt"/>
+              </a:rPr>
+              <a:t>(2)</a:t>
+            </a:r>
+            <a:endParaRPr lang="zh-TW" altLang="en-US" sz="3200" dirty="0">
+              <a:latin typeface="+mj-lt"/>
+            </a:endParaRPr>
+          </a:p>
+        </p:txBody>
+      </p:sp>
+      <p:grpSp>
+        <p:nvGrpSpPr>
+          <p:cNvPr id="6" name="群組 5">
+            <a:extLst>
+              <a:ext uri="{FF2B5EF4-FFF2-40B4-BE49-F238E27FC236}">
+                <a16:creationId xmlns:a16="http://schemas.microsoft.com/office/drawing/2014/main" id="{1DB03A09-EFA9-446E-B14E-714605BE7F02}"/>
+              </a:ext>
+            </a:extLst>
+          </p:cNvPr>
+          <p:cNvGrpSpPr/>
+          <p:nvPr/>
+        </p:nvGrpSpPr>
+        <p:grpSpPr>
+          <a:xfrm>
+            <a:off x="0" y="6176963"/>
+            <a:ext cx="12192000" cy="703140"/>
+            <a:chOff x="0" y="6192732"/>
+            <a:chExt cx="12192000" cy="703140"/>
+          </a:xfrm>
+        </p:grpSpPr>
+        <p:sp>
+          <p:nvSpPr>
+            <p:cNvPr id="7" name="矩形 6">
+              <a:extLst>
+                <a:ext uri="{FF2B5EF4-FFF2-40B4-BE49-F238E27FC236}">
+                  <a16:creationId xmlns:a16="http://schemas.microsoft.com/office/drawing/2014/main" id="{30DA9C63-756D-4B37-9F80-D982634B6A42}"/>
+                </a:ext>
+              </a:extLst>
+            </p:cNvPr>
+            <p:cNvSpPr/>
+            <p:nvPr/>
+          </p:nvSpPr>
+          <p:spPr>
+            <a:xfrm>
+              <a:off x="0" y="6212114"/>
+              <a:ext cx="12192000" cy="683758"/>
+            </a:xfrm>
+            <a:prstGeom prst="rect">
+              <a:avLst/>
+            </a:prstGeom>
+            <a:solidFill>
+              <a:srgbClr val="0065A4"/>
+            </a:solidFill>
+            <a:ln>
+              <a:noFill/>
+            </a:ln>
+          </p:spPr>
+          <p:style>
+            <a:lnRef idx="2">
+              <a:schemeClr val="accent5">
+                <a:shade val="50000"/>
+              </a:schemeClr>
+            </a:lnRef>
+            <a:fillRef idx="1">
+              <a:schemeClr val="accent5"/>
+            </a:fillRef>
+            <a:effectRef idx="0">
+              <a:schemeClr val="accent5"/>
+            </a:effectRef>
+            <a:fontRef idx="minor">
+              <a:schemeClr val="lt1"/>
+            </a:fontRef>
+          </p:style>
+          <p:txBody>
+            <a:bodyPr rtlCol="0" anchor="ctr"/>
+            <a:lstStyle/>
+            <a:p>
+              <a:pPr algn="ctr"/>
+              <a:endParaRPr lang="zh-TW" altLang="en-US" dirty="0">
+                <a:highlight>
+                  <a:srgbClr val="00FFFF"/>
+                </a:highlight>
+              </a:endParaRPr>
+            </a:p>
+          </p:txBody>
+        </p:sp>
+        <p:sp>
+          <p:nvSpPr>
+            <p:cNvPr id="8" name="文字方塊 7">
+              <a:extLst>
+                <a:ext uri="{FF2B5EF4-FFF2-40B4-BE49-F238E27FC236}">
+                  <a16:creationId xmlns:a16="http://schemas.microsoft.com/office/drawing/2014/main" id="{A617ED4E-876A-4C6A-B2FD-ABFA65439411}"/>
+                </a:ext>
+              </a:extLst>
+            </p:cNvPr>
+            <p:cNvSpPr txBox="1"/>
+            <p:nvPr/>
+          </p:nvSpPr>
+          <p:spPr>
+            <a:xfrm flipH="1">
+              <a:off x="3186974" y="6211669"/>
+              <a:ext cx="5818052" cy="646331"/>
+            </a:xfrm>
+            <a:prstGeom prst="rect">
+              <a:avLst/>
+            </a:prstGeom>
+            <a:noFill/>
+          </p:spPr>
+          <p:txBody>
+            <a:bodyPr wrap="square" rtlCol="0">
+              <a:spAutoFit/>
+            </a:bodyPr>
+            <a:lstStyle/>
+            <a:p>
+              <a:pPr algn="dist"/>
+              <a:r>
+                <a:rPr lang="zh-TW" altLang="en-US" sz="3600" dirty="0">
+                  <a:solidFill>
+                    <a:schemeClr val="bg1"/>
+                  </a:solidFill>
+                  <a:latin typeface="標楷體" panose="03000509000000000000" pitchFamily="65" charset="-120"/>
+                  <a:ea typeface="標楷體" panose="03000509000000000000" pitchFamily="65" charset="-120"/>
+                </a:rPr>
+                <a:t>電機事務所</a:t>
+              </a:r>
+            </a:p>
+          </p:txBody>
+        </p:sp>
+        <p:pic>
+          <p:nvPicPr>
+            <p:cNvPr id="9" name="圖片 8">
+              <a:extLst>
+                <a:ext uri="{FF2B5EF4-FFF2-40B4-BE49-F238E27FC236}">
+                  <a16:creationId xmlns:a16="http://schemas.microsoft.com/office/drawing/2014/main" id="{20FE69CC-E546-459D-9C4E-D47BE26B4B2E}"/>
+                </a:ext>
+              </a:extLst>
+            </p:cNvPr>
+            <p:cNvPicPr>
+              <a:picLocks noChangeAspect="1"/>
+            </p:cNvPicPr>
+            <p:nvPr/>
+          </p:nvPicPr>
+          <p:blipFill>
+            <a:blip r:embed="rId3">
+              <a:extLst>
+                <a:ext uri="{28A0092B-C50C-407E-A947-70E740481C1C}">
+                  <a14:useLocalDpi xmlns:a14="http://schemas.microsoft.com/office/drawing/2010/main" val="0"/>
+                </a:ext>
+              </a:extLst>
+            </a:blip>
+            <a:stretch>
+              <a:fillRect/>
+            </a:stretch>
+          </p:blipFill>
+          <p:spPr>
+            <a:xfrm>
+              <a:off x="10330269" y="6244819"/>
+              <a:ext cx="580027" cy="580027"/>
+            </a:xfrm>
+            <a:prstGeom prst="rect">
+              <a:avLst/>
+            </a:prstGeom>
+          </p:spPr>
+        </p:pic>
+        <p:pic>
+          <p:nvPicPr>
+            <p:cNvPr id="10" name="圖片 9">
+              <a:extLst>
+                <a:ext uri="{FF2B5EF4-FFF2-40B4-BE49-F238E27FC236}">
+                  <a16:creationId xmlns:a16="http://schemas.microsoft.com/office/drawing/2014/main" id="{05D3740C-3C2F-49BC-B8F4-176998CD17A5}"/>
+                </a:ext>
+              </a:extLst>
+            </p:cNvPr>
+            <p:cNvPicPr>
+              <a:picLocks noChangeAspect="1"/>
+            </p:cNvPicPr>
+            <p:nvPr/>
+          </p:nvPicPr>
+          <p:blipFill>
+            <a:blip r:embed="rId4">
+              <a:extLst>
+                <a:ext uri="{28A0092B-C50C-407E-A947-70E740481C1C}">
+                  <a14:useLocalDpi xmlns:a14="http://schemas.microsoft.com/office/drawing/2010/main" val="0"/>
+                </a:ext>
+              </a:extLst>
+            </a:blip>
+            <a:stretch>
+              <a:fillRect/>
+            </a:stretch>
+          </p:blipFill>
+          <p:spPr>
+            <a:xfrm>
+              <a:off x="1343227" y="6192732"/>
+              <a:ext cx="684203" cy="684203"/>
+            </a:xfrm>
+            <a:prstGeom prst="rect">
+              <a:avLst/>
+            </a:prstGeom>
+          </p:spPr>
+        </p:pic>
+      </p:grpSp>
+    </p:spTree>
+    <p:extLst>
+      <p:ext uri="{BB962C8B-B14F-4D97-AF65-F5344CB8AC3E}">
+        <p14:creationId xmlns:p14="http://schemas.microsoft.com/office/powerpoint/2010/main" val="3762339880"/>
+      </p:ext>
+    </p:extLst>
+  </p:cSld>
+  <p:clrMapOvr>
+    <a:masterClrMapping/>
+  </p:clrMapOvr>
+</p:sld>
+</file>
+
+<file path=ppt/slides/slide40.xml><?xml version="1.0" encoding="utf-8"?>
 <p:sld xmlns:a="http://schemas.openxmlformats.org/drawingml/2006/main" xmlns:r="http://schemas.openxmlformats.org/officeDocument/2006/relationships" xmlns:p="http://schemas.openxmlformats.org/presentationml/2006/main">
   <p:cSld>
     <p:spTree>
@@ -44004,7 +46500,7 @@
 </p:sld>
 </file>
 
-<file path=ppt/slides/slide35.xml><?xml version="1.0" encoding="utf-8"?>
+<file path=ppt/slides/slide41.xml><?xml version="1.0" encoding="utf-8"?>
 <p:sld xmlns:a="http://schemas.openxmlformats.org/drawingml/2006/main" xmlns:r="http://schemas.openxmlformats.org/officeDocument/2006/relationships" xmlns:p="http://schemas.openxmlformats.org/presentationml/2006/main">
   <p:cSld>
     <p:spTree>
@@ -44873,7 +47369,7 @@
 </p:sld>
 </file>
 
-<file path=ppt/slides/slide36.xml><?xml version="1.0" encoding="utf-8"?>
+<file path=ppt/slides/slide42.xml><?xml version="1.0" encoding="utf-8"?>
 <p:sld xmlns:a="http://schemas.openxmlformats.org/drawingml/2006/main" xmlns:r="http://schemas.openxmlformats.org/officeDocument/2006/relationships" xmlns:p="http://schemas.openxmlformats.org/presentationml/2006/main">
   <p:cSld>
     <p:spTree>
@@ -44923,405 +47419,6 @@
     <p:extLst>
       <p:ext uri="{BB962C8B-B14F-4D97-AF65-F5344CB8AC3E}">
         <p14:creationId xmlns:p14="http://schemas.microsoft.com/office/powerpoint/2010/main" val="1261464213"/>
-      </p:ext>
-    </p:extLst>
-  </p:cSld>
-  <p:clrMapOvr>
-    <a:masterClrMapping/>
-  </p:clrMapOvr>
-</p:sld>
-</file>
-
-<file path=ppt/slides/slide4.xml><?xml version="1.0" encoding="utf-8"?>
-<p:sld xmlns:a="http://schemas.openxmlformats.org/drawingml/2006/main" xmlns:r="http://schemas.openxmlformats.org/officeDocument/2006/relationships" xmlns:p="http://schemas.openxmlformats.org/presentationml/2006/main">
-  <p:cSld>
-    <p:spTree>
-      <p:nvGrpSpPr>
-        <p:cNvPr id="1" name=""/>
-        <p:cNvGrpSpPr/>
-        <p:nvPr/>
-      </p:nvGrpSpPr>
-      <p:grpSpPr>
-        <a:xfrm>
-          <a:off x="0" y="0"/>
-          <a:ext cx="0" cy="0"/>
-          <a:chOff x="0" y="0"/>
-          <a:chExt cx="0" cy="0"/>
-        </a:xfrm>
-      </p:grpSpPr>
-      <p:sp>
-        <p:nvSpPr>
-          <p:cNvPr id="4" name="標題 3">
-            <a:extLst>
-              <a:ext uri="{FF2B5EF4-FFF2-40B4-BE49-F238E27FC236}">
-                <a16:creationId xmlns:a16="http://schemas.microsoft.com/office/drawing/2014/main" id="{3C618BD0-7357-4F85-A56C-747DCD526A29}"/>
-              </a:ext>
-            </a:extLst>
-          </p:cNvPr>
-          <p:cNvSpPr>
-            <a:spLocks noGrp="1"/>
-          </p:cNvSpPr>
-          <p:nvPr>
-            <p:ph type="title"/>
-          </p:nvPr>
-        </p:nvSpPr>
-        <p:spPr>
-          <a:xfrm>
-            <a:off x="444500" y="542925"/>
-            <a:ext cx="11214100" cy="923330"/>
-          </a:xfrm>
-        </p:spPr>
-        <p:txBody>
-          <a:bodyPr/>
-          <a:lstStyle/>
-          <a:p>
-            <a:r>
-              <a:rPr lang="en-US" altLang="zh-TW" sz="6000" dirty="0"/>
-              <a:t>What’s RGB</a:t>
-            </a:r>
-            <a:endParaRPr lang="zh-TW" altLang="en-US" sz="6000" dirty="0"/>
-          </a:p>
-        </p:txBody>
-      </p:sp>
-      <p:sp>
-        <p:nvSpPr>
-          <p:cNvPr id="5" name="內容版面配置區 4">
-            <a:extLst>
-              <a:ext uri="{FF2B5EF4-FFF2-40B4-BE49-F238E27FC236}">
-                <a16:creationId xmlns:a16="http://schemas.microsoft.com/office/drawing/2014/main" id="{A431B4DC-7FF3-4C42-928F-8F2FAA26F988}"/>
-              </a:ext>
-            </a:extLst>
-          </p:cNvPr>
-          <p:cNvSpPr>
-            <a:spLocks noGrp="1"/>
-          </p:cNvSpPr>
-          <p:nvPr>
-            <p:ph idx="1"/>
-          </p:nvPr>
-        </p:nvSpPr>
-        <p:spPr/>
-        <p:txBody>
-          <a:bodyPr>
-            <a:normAutofit/>
-          </a:bodyPr>
-          <a:lstStyle/>
-          <a:p>
-            <a:r>
-              <a:rPr lang="en-US" altLang="zh-TW" sz="3200" dirty="0">
-                <a:latin typeface="+mj-lt"/>
-              </a:rPr>
-              <a:t>FF(16) = 255(10) = </a:t>
-            </a:r>
-            <a:r>
-              <a:rPr lang="en-US" altLang="zh-TW" sz="3200" u="sng" dirty="0">
-                <a:latin typeface="+mj-lt"/>
-              </a:rPr>
-              <a:t>1111</a:t>
-            </a:r>
-            <a:r>
-              <a:rPr lang="en-US" altLang="zh-TW" sz="3200" dirty="0">
-                <a:latin typeface="+mj-lt"/>
-              </a:rPr>
-              <a:t> </a:t>
-            </a:r>
-            <a:r>
-              <a:rPr lang="en-US" altLang="zh-TW" sz="3200" u="sng" dirty="0">
-                <a:latin typeface="+mj-lt"/>
-              </a:rPr>
-              <a:t>1111</a:t>
-            </a:r>
-            <a:r>
-              <a:rPr lang="en-US" altLang="zh-TW" sz="3200" dirty="0">
-                <a:latin typeface="+mj-lt"/>
-              </a:rPr>
-              <a:t>(2)</a:t>
-            </a:r>
-          </a:p>
-          <a:p>
-            <a:endParaRPr lang="en-US" altLang="zh-TW" sz="3200" dirty="0">
-              <a:latin typeface="+mj-lt"/>
-            </a:endParaRPr>
-          </a:p>
-          <a:p>
-            <a:r>
-              <a:rPr lang="en-US" altLang="zh-TW" sz="3200" dirty="0">
-                <a:latin typeface="+mj-lt"/>
-              </a:rPr>
-              <a:t>00FF00(16) = </a:t>
-            </a:r>
-            <a:r>
-              <a:rPr lang="en-US" altLang="zh-TW" sz="3200" u="sng" dirty="0">
-                <a:latin typeface="+mj-lt"/>
-              </a:rPr>
-              <a:t>0000</a:t>
-            </a:r>
-            <a:r>
-              <a:rPr lang="en-US" altLang="zh-TW" sz="3200" dirty="0">
-                <a:latin typeface="+mj-lt"/>
-              </a:rPr>
-              <a:t> </a:t>
-            </a:r>
-            <a:r>
-              <a:rPr lang="en-US" altLang="zh-TW" sz="3200" u="sng" dirty="0">
-                <a:latin typeface="+mj-lt"/>
-              </a:rPr>
-              <a:t>0000</a:t>
-            </a:r>
-            <a:r>
-              <a:rPr lang="en-US" altLang="zh-TW" sz="3200" dirty="0">
-                <a:latin typeface="+mj-lt"/>
-              </a:rPr>
-              <a:t> </a:t>
-            </a:r>
-            <a:r>
-              <a:rPr lang="en-US" altLang="zh-TW" sz="3200" u="sng" dirty="0">
-                <a:latin typeface="+mj-lt"/>
-              </a:rPr>
-              <a:t>1111</a:t>
-            </a:r>
-            <a:r>
-              <a:rPr lang="en-US" altLang="zh-TW" sz="3200" dirty="0">
-                <a:latin typeface="+mj-lt"/>
-              </a:rPr>
-              <a:t> </a:t>
-            </a:r>
-            <a:r>
-              <a:rPr lang="en-US" altLang="zh-TW" sz="3200" u="sng" dirty="0">
-                <a:latin typeface="+mj-lt"/>
-              </a:rPr>
-              <a:t>1111</a:t>
-            </a:r>
-            <a:r>
-              <a:rPr lang="en-US" altLang="zh-TW" sz="3200" dirty="0">
-                <a:latin typeface="+mj-lt"/>
-              </a:rPr>
-              <a:t> </a:t>
-            </a:r>
-            <a:r>
-              <a:rPr lang="en-US" altLang="zh-TW" sz="3200" u="sng" dirty="0">
-                <a:latin typeface="+mj-lt"/>
-              </a:rPr>
-              <a:t>0000</a:t>
-            </a:r>
-            <a:r>
-              <a:rPr lang="en-US" altLang="zh-TW" sz="3200" dirty="0">
-                <a:latin typeface="+mj-lt"/>
-              </a:rPr>
-              <a:t> </a:t>
-            </a:r>
-            <a:r>
-              <a:rPr lang="en-US" altLang="zh-TW" sz="3200" u="sng" dirty="0">
-                <a:latin typeface="+mj-lt"/>
-              </a:rPr>
-              <a:t>0000</a:t>
-            </a:r>
-            <a:r>
-              <a:rPr lang="en-US" altLang="zh-TW" sz="3200" dirty="0">
-                <a:latin typeface="+mj-lt"/>
-              </a:rPr>
-              <a:t>(2)</a:t>
-            </a:r>
-            <a:endParaRPr lang="zh-TW" altLang="en-US" sz="3200" dirty="0">
-              <a:latin typeface="+mj-lt"/>
-            </a:endParaRPr>
-          </a:p>
-        </p:txBody>
-      </p:sp>
-      <p:grpSp>
-        <p:nvGrpSpPr>
-          <p:cNvPr id="6" name="群組 5">
-            <a:extLst>
-              <a:ext uri="{FF2B5EF4-FFF2-40B4-BE49-F238E27FC236}">
-                <a16:creationId xmlns:a16="http://schemas.microsoft.com/office/drawing/2014/main" id="{1DB03A09-EFA9-446E-B14E-714605BE7F02}"/>
-              </a:ext>
-            </a:extLst>
-          </p:cNvPr>
-          <p:cNvGrpSpPr/>
-          <p:nvPr/>
-        </p:nvGrpSpPr>
-        <p:grpSpPr>
-          <a:xfrm>
-            <a:off x="0" y="6176963"/>
-            <a:ext cx="12192000" cy="703140"/>
-            <a:chOff x="0" y="6192732"/>
-            <a:chExt cx="12192000" cy="703140"/>
-          </a:xfrm>
-        </p:grpSpPr>
-        <p:sp>
-          <p:nvSpPr>
-            <p:cNvPr id="7" name="矩形 6">
-              <a:extLst>
-                <a:ext uri="{FF2B5EF4-FFF2-40B4-BE49-F238E27FC236}">
-                  <a16:creationId xmlns:a16="http://schemas.microsoft.com/office/drawing/2014/main" id="{30DA9C63-756D-4B37-9F80-D982634B6A42}"/>
-                </a:ext>
-              </a:extLst>
-            </p:cNvPr>
-            <p:cNvSpPr/>
-            <p:nvPr/>
-          </p:nvSpPr>
-          <p:spPr>
-            <a:xfrm>
-              <a:off x="0" y="6212114"/>
-              <a:ext cx="12192000" cy="683758"/>
-            </a:xfrm>
-            <a:prstGeom prst="rect">
-              <a:avLst/>
-            </a:prstGeom>
-            <a:solidFill>
-              <a:srgbClr val="0065A4"/>
-            </a:solidFill>
-            <a:ln>
-              <a:noFill/>
-            </a:ln>
-          </p:spPr>
-          <p:style>
-            <a:lnRef idx="2">
-              <a:schemeClr val="accent5">
-                <a:shade val="50000"/>
-              </a:schemeClr>
-            </a:lnRef>
-            <a:fillRef idx="1">
-              <a:schemeClr val="accent5"/>
-            </a:fillRef>
-            <a:effectRef idx="0">
-              <a:schemeClr val="accent5"/>
-            </a:effectRef>
-            <a:fontRef idx="minor">
-              <a:schemeClr val="lt1"/>
-            </a:fontRef>
-          </p:style>
-          <p:txBody>
-            <a:bodyPr rtlCol="0" anchor="ctr"/>
-            <a:lstStyle/>
-            <a:p>
-              <a:pPr algn="ctr"/>
-              <a:endParaRPr lang="zh-TW" altLang="en-US" dirty="0">
-                <a:highlight>
-                  <a:srgbClr val="00FFFF"/>
-                </a:highlight>
-              </a:endParaRPr>
-            </a:p>
-          </p:txBody>
-        </p:sp>
-        <p:sp>
-          <p:nvSpPr>
-            <p:cNvPr id="8" name="文字方塊 7">
-              <a:extLst>
-                <a:ext uri="{FF2B5EF4-FFF2-40B4-BE49-F238E27FC236}">
-                  <a16:creationId xmlns:a16="http://schemas.microsoft.com/office/drawing/2014/main" id="{A617ED4E-876A-4C6A-B2FD-ABFA65439411}"/>
-                </a:ext>
-              </a:extLst>
-            </p:cNvPr>
-            <p:cNvSpPr txBox="1"/>
-            <p:nvPr/>
-          </p:nvSpPr>
-          <p:spPr>
-            <a:xfrm flipH="1">
-              <a:off x="3186974" y="6211669"/>
-              <a:ext cx="5818052" cy="646331"/>
-            </a:xfrm>
-            <a:prstGeom prst="rect">
-              <a:avLst/>
-            </a:prstGeom>
-            <a:noFill/>
-          </p:spPr>
-          <p:txBody>
-            <a:bodyPr wrap="square" rtlCol="0">
-              <a:spAutoFit/>
-            </a:bodyPr>
-            <a:lstStyle/>
-            <a:p>
-              <a:pPr algn="dist"/>
-              <a:r>
-                <a:rPr lang="zh-TW" altLang="en-US" sz="3600" dirty="0">
-                  <a:solidFill>
-                    <a:schemeClr val="bg1"/>
-                  </a:solidFill>
-                  <a:latin typeface="標楷體" panose="03000509000000000000" pitchFamily="65" charset="-120"/>
-                  <a:ea typeface="標楷體" panose="03000509000000000000" pitchFamily="65" charset="-120"/>
-                </a:rPr>
-                <a:t>電機事務所</a:t>
-              </a:r>
-            </a:p>
-          </p:txBody>
-        </p:sp>
-        <p:pic>
-          <p:nvPicPr>
-            <p:cNvPr id="9" name="圖片 8">
-              <a:extLst>
-                <a:ext uri="{FF2B5EF4-FFF2-40B4-BE49-F238E27FC236}">
-                  <a16:creationId xmlns:a16="http://schemas.microsoft.com/office/drawing/2014/main" id="{20FE69CC-E546-459D-9C4E-D47BE26B4B2E}"/>
-                </a:ext>
-              </a:extLst>
-            </p:cNvPr>
-            <p:cNvPicPr>
-              <a:picLocks noChangeAspect="1"/>
-            </p:cNvPicPr>
-            <p:nvPr/>
-          </p:nvPicPr>
-          <p:blipFill>
-            <a:blip r:embed="rId3">
-              <a:extLst>
-                <a:ext uri="{28A0092B-C50C-407E-A947-70E740481C1C}">
-                  <a14:useLocalDpi xmlns:a14="http://schemas.microsoft.com/office/drawing/2010/main" val="0"/>
-                </a:ext>
-              </a:extLst>
-            </a:blip>
-            <a:stretch>
-              <a:fillRect/>
-            </a:stretch>
-          </p:blipFill>
-          <p:spPr>
-            <a:xfrm>
-              <a:off x="10330269" y="6244819"/>
-              <a:ext cx="580027" cy="580027"/>
-            </a:xfrm>
-            <a:prstGeom prst="rect">
-              <a:avLst/>
-            </a:prstGeom>
-          </p:spPr>
-        </p:pic>
-        <p:pic>
-          <p:nvPicPr>
-            <p:cNvPr id="10" name="圖片 9">
-              <a:extLst>
-                <a:ext uri="{FF2B5EF4-FFF2-40B4-BE49-F238E27FC236}">
-                  <a16:creationId xmlns:a16="http://schemas.microsoft.com/office/drawing/2014/main" id="{05D3740C-3C2F-49BC-B8F4-176998CD17A5}"/>
-                </a:ext>
-              </a:extLst>
-            </p:cNvPr>
-            <p:cNvPicPr>
-              <a:picLocks noChangeAspect="1"/>
-            </p:cNvPicPr>
-            <p:nvPr/>
-          </p:nvPicPr>
-          <p:blipFill>
-            <a:blip r:embed="rId4">
-              <a:extLst>
-                <a:ext uri="{28A0092B-C50C-407E-A947-70E740481C1C}">
-                  <a14:useLocalDpi xmlns:a14="http://schemas.microsoft.com/office/drawing/2010/main" val="0"/>
-                </a:ext>
-              </a:extLst>
-            </a:blip>
-            <a:stretch>
-              <a:fillRect/>
-            </a:stretch>
-          </p:blipFill>
-          <p:spPr>
-            <a:xfrm>
-              <a:off x="1343227" y="6192732"/>
-              <a:ext cx="684203" cy="684203"/>
-            </a:xfrm>
-            <a:prstGeom prst="rect">
-              <a:avLst/>
-            </a:prstGeom>
-          </p:spPr>
-        </p:pic>
-      </p:grpSp>
-    </p:spTree>
-    <p:extLst>
-      <p:ext uri="{BB962C8B-B14F-4D97-AF65-F5344CB8AC3E}">
-        <p14:creationId xmlns:p14="http://schemas.microsoft.com/office/powerpoint/2010/main" val="3762339880"/>
       </p:ext>
     </p:extLst>
   </p:cSld>
